--- a/02 - Case Studies and Acquiring Data/data.pptx
+++ b/02 - Case Studies and Acquiring Data/data.pptx
@@ -263,7 +263,7 @@
       <p15:sldGuideLst xmlns:p15="http://schemas.microsoft.com/office/powerpoint/2012/main"/>
     </p:ext>
     <p:ext uri="http://customooxmlschemas.google.com/">
-      <go:slidesCustomData xmlns="" xmlns:mc="http://schemas.openxmlformats.org/markup-compatibility/2006" xmlns:mv="urn:schemas-microsoft-com:mac:vml" xmlns:c="http://schemas.openxmlformats.org/drawingml/2006/chart" xmlns:dgm="http://schemas.openxmlformats.org/drawingml/2006/diagram" xmlns:o="urn:schemas-microsoft-com:office:office" xmlns:v="urn:schemas-microsoft-com:vml" xmlns:pvml="urn:schemas-microsoft-com:office:powerpoint" xmlns:com="http://schemas.openxmlformats.org/drawingml/2006/compatibility" xmlns:p14="http://schemas.microsoft.com/office/powerpoint/2010/main" xmlns:p15="http://schemas.microsoft.com/office/powerpoint/2012/main" xmlns:go="http://customooxmlschemas.google.com/" r:id="rId30" roundtripDataSignature="AMtx7mjFyVUGRZWio+dc9dxzYsimUxNJbg=="/>
+      <go:slidesCustomData xmlns:go="http://customooxmlschemas.google.com/" xmlns:p15="http://schemas.microsoft.com/office/powerpoint/2012/main" xmlns:p14="http://schemas.microsoft.com/office/powerpoint/2010/main" xmlns:com="http://schemas.openxmlformats.org/drawingml/2006/compatibility" xmlns:pvml="urn:schemas-microsoft-com:office:powerpoint" xmlns:v="urn:schemas-microsoft-com:vml" xmlns:o="urn:schemas-microsoft-com:office:office" xmlns:dgm="http://schemas.openxmlformats.org/drawingml/2006/diagram" xmlns:c="http://schemas.openxmlformats.org/drawingml/2006/chart" xmlns:mv="urn:schemas-microsoft-com:mac:vml" xmlns:mc="http://schemas.openxmlformats.org/markup-compatibility/2006" xmlns="" r:id="rId30" roundtripDataSignature="AMtx7mjFyVUGRZWio+dc9dxzYsimUxNJbg=="/>
     </p:ext>
   </p:extLst>
 </p:presentation>
@@ -14033,7 +14033,7 @@
           <a:p>
             <a:r>
               <a:rPr lang="en-US" dirty="0"/>
-              <a:t>Data Acquisition Challenges</a:t>
+              <a:t>Challenges</a:t>
             </a:r>
           </a:p>
         </p:txBody>
@@ -14146,7 +14146,7 @@
           <a:p>
             <a:r>
               <a:rPr lang="en-US" dirty="0"/>
-              <a:t>Technical (challenges)</a:t>
+              <a:t>Data Acquisition: Technical (challenges)</a:t>
             </a:r>
           </a:p>
         </p:txBody>
@@ -14351,7 +14351,7 @@
           <a:p>
             <a:r>
               <a:rPr lang="en-US" dirty="0"/>
-              <a:t>Deidentification</a:t>
+              <a:t>Deidentification when dealing with confidential/sensitive identifiable data</a:t>
             </a:r>
           </a:p>
           <a:p>
@@ -14498,7 +14498,7 @@
           <a:p>
             <a:r>
               <a:rPr lang="en-US" altLang="en-US" dirty="0"/>
-              <a:t> Goals</a:t>
+              <a:t> Linkage: Goals</a:t>
             </a:r>
           </a:p>
         </p:txBody>

--- a/02 - Case Studies and Acquiring Data/data.pptx
+++ b/02 - Case Studies and Acquiring Data/data.pptx
@@ -14,17 +14,17 @@
     <p:sldId id="282" r:id="rId5"/>
     <p:sldId id="285" r:id="rId6"/>
     <p:sldId id="283" r:id="rId7"/>
-    <p:sldId id="284" r:id="rId8"/>
-    <p:sldId id="260" r:id="rId9"/>
-    <p:sldId id="261" r:id="rId10"/>
-    <p:sldId id="287" r:id="rId11"/>
-    <p:sldId id="262" r:id="rId12"/>
-    <p:sldId id="288" r:id="rId13"/>
-    <p:sldId id="289" r:id="rId14"/>
-    <p:sldId id="290" r:id="rId15"/>
-    <p:sldId id="280" r:id="rId16"/>
-    <p:sldId id="291" r:id="rId17"/>
-    <p:sldId id="293" r:id="rId18"/>
+    <p:sldId id="260" r:id="rId8"/>
+    <p:sldId id="261" r:id="rId9"/>
+    <p:sldId id="287" r:id="rId10"/>
+    <p:sldId id="262" r:id="rId11"/>
+    <p:sldId id="288" r:id="rId12"/>
+    <p:sldId id="289" r:id="rId13"/>
+    <p:sldId id="290" r:id="rId14"/>
+    <p:sldId id="280" r:id="rId15"/>
+    <p:sldId id="291" r:id="rId16"/>
+    <p:sldId id="293" r:id="rId17"/>
+    <p:sldId id="296" r:id="rId18"/>
     <p:sldId id="294" r:id="rId19"/>
   </p:sldIdLst>
   <p:sldSz cx="12192000" cy="6858000"/>
@@ -263,7 +263,7 @@
       <p15:sldGuideLst xmlns:p15="http://schemas.microsoft.com/office/powerpoint/2012/main"/>
     </p:ext>
     <p:ext uri="http://customooxmlschemas.google.com/">
-      <go:slidesCustomData xmlns:go="http://customooxmlschemas.google.com/" xmlns:p15="http://schemas.microsoft.com/office/powerpoint/2012/main" xmlns:p14="http://schemas.microsoft.com/office/powerpoint/2010/main" xmlns:com="http://schemas.openxmlformats.org/drawingml/2006/compatibility" xmlns:pvml="urn:schemas-microsoft-com:office:powerpoint" xmlns:v="urn:schemas-microsoft-com:vml" xmlns:o="urn:schemas-microsoft-com:office:office" xmlns:dgm="http://schemas.openxmlformats.org/drawingml/2006/diagram" xmlns:c="http://schemas.openxmlformats.org/drawingml/2006/chart" xmlns:mv="urn:schemas-microsoft-com:mac:vml" xmlns:mc="http://schemas.openxmlformats.org/markup-compatibility/2006" xmlns="" r:id="rId30" roundtripDataSignature="AMtx7mjFyVUGRZWio+dc9dxzYsimUxNJbg=="/>
+      <go:slidesCustomData xmlns="" xmlns:mc="http://schemas.openxmlformats.org/markup-compatibility/2006" xmlns:mv="urn:schemas-microsoft-com:mac:vml" xmlns:c="http://schemas.openxmlformats.org/drawingml/2006/chart" xmlns:dgm="http://schemas.openxmlformats.org/drawingml/2006/diagram" xmlns:o="urn:schemas-microsoft-com:office:office" xmlns:v="urn:schemas-microsoft-com:vml" xmlns:pvml="urn:schemas-microsoft-com:office:powerpoint" xmlns:com="http://schemas.openxmlformats.org/drawingml/2006/compatibility" xmlns:p14="http://schemas.microsoft.com/office/powerpoint/2010/main" xmlns:p15="http://schemas.microsoft.com/office/powerpoint/2012/main" xmlns:go="http://customooxmlschemas.google.com/" r:id="rId30" roundtripDataSignature="AMtx7mjFyVUGRZWio+dc9dxzYsimUxNJbg=="/>
     </p:ext>
   </p:extLst>
 </p:presentation>
@@ -12099,143 +12099,6 @@
       </p:grpSpPr>
       <p:sp>
         <p:nvSpPr>
-          <p:cNvPr id="2" name="Title 1"/>
-          <p:cNvSpPr>
-            <a:spLocks noGrp="1"/>
-          </p:cNvSpPr>
-          <p:nvPr>
-            <p:ph type="title"/>
-          </p:nvPr>
-        </p:nvSpPr>
-        <p:spPr/>
-        <p:txBody>
-          <a:bodyPr/>
-          <a:lstStyle/>
-          <a:p>
-            <a:r>
-              <a:rPr lang="en-US" dirty="0"/>
-              <a:t>Factors to consider</a:t>
-            </a:r>
-          </a:p>
-        </p:txBody>
-      </p:sp>
-      <p:sp>
-        <p:nvSpPr>
-          <p:cNvPr id="3" name="Content Placeholder 2"/>
-          <p:cNvSpPr>
-            <a:spLocks noGrp="1"/>
-          </p:cNvSpPr>
-          <p:nvPr>
-            <p:ph type="body" idx="1"/>
-          </p:nvPr>
-        </p:nvSpPr>
-        <p:spPr/>
-        <p:txBody>
-          <a:bodyPr>
-            <a:normAutofit fontScale="77500" lnSpcReduction="20000"/>
-          </a:bodyPr>
-          <a:lstStyle/>
-          <a:p>
-            <a:r>
-              <a:rPr lang="en-US" dirty="0" err="1"/>
-              <a:t>Deduping</a:t>
-            </a:r>
-            <a:r>
-              <a:rPr lang="en-US" dirty="0"/>
-              <a:t> or Linkage</a:t>
-            </a:r>
-          </a:p>
-          <a:p>
-            <a:pPr lvl="1"/>
-            <a:r>
-              <a:rPr lang="en-US" dirty="0"/>
-              <a:t>1-1 or 1-many or many-1</a:t>
-            </a:r>
-          </a:p>
-          <a:p>
-            <a:pPr lvl="1"/>
-            <a:endParaRPr lang="en-US" dirty="0"/>
-          </a:p>
-          <a:p>
-            <a:r>
-              <a:rPr lang="en-US" dirty="0"/>
-              <a:t>Rule-based or ML based</a:t>
-            </a:r>
-          </a:p>
-          <a:p>
-            <a:pPr lvl="1"/>
-            <a:r>
-              <a:rPr lang="en-US" dirty="0"/>
-              <a:t>Do you have labeled training data?</a:t>
-            </a:r>
-          </a:p>
-          <a:p>
-            <a:pPr lvl="1"/>
-            <a:endParaRPr lang="en-US" dirty="0"/>
-          </a:p>
-          <a:p>
-            <a:r>
-              <a:rPr lang="en-US" dirty="0"/>
-              <a:t>Domain specific or generic similarity metrics?</a:t>
-            </a:r>
-          </a:p>
-          <a:p>
-            <a:endParaRPr lang="en-US" dirty="0"/>
-          </a:p>
-          <a:p>
-            <a:r>
-              <a:rPr lang="en-US" dirty="0"/>
-              <a:t>Evaluation metric</a:t>
-            </a:r>
-          </a:p>
-          <a:p>
-            <a:pPr lvl="1"/>
-            <a:r>
-              <a:rPr lang="en-US" dirty="0"/>
-              <a:t>Precision or recall</a:t>
-            </a:r>
-          </a:p>
-          <a:p>
-            <a:pPr lvl="1"/>
-            <a:r>
-              <a:rPr lang="en-US" dirty="0"/>
-              <a:t>Task-specific - Implications on future analysis (bias for example)</a:t>
-            </a:r>
-          </a:p>
-        </p:txBody>
-      </p:sp>
-    </p:spTree>
-    <p:extLst>
-      <p:ext uri="{BB962C8B-B14F-4D97-AF65-F5344CB8AC3E}">
-        <p14:creationId xmlns:p14="http://schemas.microsoft.com/office/powerpoint/2010/main" val="562180733"/>
-      </p:ext>
-    </p:extLst>
-  </p:cSld>
-  <p:clrMapOvr>
-    <a:masterClrMapping/>
-  </p:clrMapOvr>
-</p:sld>
-</file>
-
-<file path=ppt/slides/slide11.xml><?xml version="1.0" encoding="utf-8"?>
-<p:sld xmlns:a="http://schemas.openxmlformats.org/drawingml/2006/main" xmlns:r="http://schemas.openxmlformats.org/officeDocument/2006/relationships" xmlns:p="http://schemas.openxmlformats.org/presentationml/2006/main">
-  <p:cSld>
-    <p:spTree>
-      <p:nvGrpSpPr>
-        <p:cNvPr id="1" name=""/>
-        <p:cNvGrpSpPr/>
-        <p:nvPr/>
-      </p:nvGrpSpPr>
-      <p:grpSpPr>
-        <a:xfrm>
-          <a:off x="0" y="0"/>
-          <a:ext cx="0" cy="0"/>
-          <a:chOff x="0" y="0"/>
-          <a:chExt cx="0" cy="0"/>
-        </a:xfrm>
-      </p:grpSpPr>
-      <p:sp>
-        <p:nvSpPr>
           <p:cNvPr id="9218" name="Rectangle 2"/>
           <p:cNvSpPr>
             <a:spLocks noGrp="1" noChangeArrowheads="1"/>
@@ -12305,7 +12168,7 @@
 </p:sld>
 </file>
 
-<file path=ppt/slides/slide12.xml><?xml version="1.0" encoding="utf-8"?>
+<file path=ppt/slides/slide11.xml><?xml version="1.0" encoding="utf-8"?>
 <p:sld xmlns:a="http://schemas.openxmlformats.org/drawingml/2006/main" xmlns:r="http://schemas.openxmlformats.org/officeDocument/2006/relationships" xmlns:p="http://schemas.openxmlformats.org/presentationml/2006/main">
   <p:cSld>
     <p:spTree>
@@ -12964,6 +12827,98 @@
 </p:sld>
 </file>
 
+<file path=ppt/slides/slide12.xml><?xml version="1.0" encoding="utf-8"?>
+<p:sld xmlns:a="http://schemas.openxmlformats.org/drawingml/2006/main" xmlns:r="http://schemas.openxmlformats.org/officeDocument/2006/relationships" xmlns:p="http://schemas.openxmlformats.org/presentationml/2006/main">
+  <p:cSld>
+    <p:spTree>
+      <p:nvGrpSpPr>
+        <p:cNvPr id="1" name=""/>
+        <p:cNvGrpSpPr/>
+        <p:nvPr/>
+      </p:nvGrpSpPr>
+      <p:grpSpPr>
+        <a:xfrm>
+          <a:off x="0" y="0"/>
+          <a:ext cx="0" cy="0"/>
+          <a:chOff x="0" y="0"/>
+          <a:chExt cx="0" cy="0"/>
+        </a:xfrm>
+      </p:grpSpPr>
+      <p:sp>
+        <p:nvSpPr>
+          <p:cNvPr id="2" name="Title 1"/>
+          <p:cNvSpPr>
+            <a:spLocks noGrp="1"/>
+          </p:cNvSpPr>
+          <p:nvPr>
+            <p:ph type="title"/>
+          </p:nvPr>
+        </p:nvSpPr>
+        <p:spPr/>
+        <p:txBody>
+          <a:bodyPr/>
+          <a:lstStyle/>
+          <a:p>
+            <a:r>
+              <a:rPr lang="en-US" dirty="0"/>
+              <a:t>When are two records about the same entity?</a:t>
+            </a:r>
+          </a:p>
+        </p:txBody>
+      </p:sp>
+      <p:sp>
+        <p:nvSpPr>
+          <p:cNvPr id="3" name="Content Placeholder 2"/>
+          <p:cNvSpPr>
+            <a:spLocks noGrp="1"/>
+          </p:cNvSpPr>
+          <p:nvPr>
+            <p:ph type="body" idx="1"/>
+          </p:nvPr>
+        </p:nvSpPr>
+        <p:spPr/>
+        <p:txBody>
+          <a:bodyPr/>
+          <a:lstStyle/>
+          <a:p>
+            <a:r>
+              <a:rPr lang="en-US" dirty="0"/>
+              <a:t>Examples of possible similarity metrics</a:t>
+            </a:r>
+          </a:p>
+          <a:p>
+            <a:pPr lvl="1"/>
+            <a:r>
+              <a:rPr lang="en-US" dirty="0"/>
+              <a:t>Edit distance</a:t>
+            </a:r>
+          </a:p>
+          <a:p>
+            <a:pPr lvl="1"/>
+            <a:r>
+              <a:rPr lang="en-US" dirty="0" err="1"/>
+              <a:t>Soundex</a:t>
+            </a:r>
+            <a:endParaRPr lang="en-US" dirty="0"/>
+          </a:p>
+          <a:p>
+            <a:endParaRPr lang="en-US" dirty="0"/>
+          </a:p>
+        </p:txBody>
+      </p:sp>
+    </p:spTree>
+    <p:extLst>
+      <p:ext uri="{BB962C8B-B14F-4D97-AF65-F5344CB8AC3E}">
+        <p14:creationId xmlns:p14="http://schemas.microsoft.com/office/powerpoint/2010/main" val="32033496"/>
+      </p:ext>
+    </p:extLst>
+  </p:cSld>
+  <p:clrMapOvr>
+    <a:masterClrMapping/>
+  </p:clrMapOvr>
+</p:sld>
+</file>
+
 <file path=ppt/slides/slide13.xml><?xml version="1.0" encoding="utf-8"?>
 <p:sld xmlns:a="http://schemas.openxmlformats.org/drawingml/2006/main" xmlns:r="http://schemas.openxmlformats.org/officeDocument/2006/relationships" xmlns:p="http://schemas.openxmlformats.org/presentationml/2006/main">
   <p:cSld>
@@ -12998,7 +12953,7 @@
           <a:p>
             <a:r>
               <a:rPr lang="en-US" dirty="0"/>
-              <a:t>When are two records about the same entity?</a:t>
+              <a:t>“Fuzzy” Matching System	</a:t>
             </a:r>
           </a:p>
         </p:txBody>
@@ -13020,33 +12975,21 @@
           <a:p>
             <a:r>
               <a:rPr lang="en-US" dirty="0"/>
-              <a:t>Examples of possible similarity metrics</a:t>
+              <a:t>Apply set of cascading rules</a:t>
             </a:r>
           </a:p>
           <a:p>
-            <a:pPr lvl="1"/>
             <a:r>
               <a:rPr lang="en-US" dirty="0"/>
-              <a:t>Edit distance</a:t>
+              <a:t>Assign confidence score based on which rules fire</a:t>
             </a:r>
-          </a:p>
-          <a:p>
-            <a:pPr lvl="1"/>
-            <a:r>
-              <a:rPr lang="en-US" dirty="0" err="1"/>
-              <a:t>Soundex</a:t>
-            </a:r>
-            <a:endParaRPr lang="en-US" dirty="0"/>
-          </a:p>
-          <a:p>
-            <a:endParaRPr lang="en-US" dirty="0"/>
           </a:p>
         </p:txBody>
       </p:sp>
     </p:spTree>
     <p:extLst>
       <p:ext uri="{BB962C8B-B14F-4D97-AF65-F5344CB8AC3E}">
-        <p14:creationId xmlns:p14="http://schemas.microsoft.com/office/powerpoint/2010/main" val="32033496"/>
+        <p14:creationId xmlns:p14="http://schemas.microsoft.com/office/powerpoint/2010/main" val="2363932908"/>
       </p:ext>
     </p:extLst>
   </p:cSld>
@@ -13057,6 +13000,188 @@
 </file>
 
 <file path=ppt/slides/slide14.xml><?xml version="1.0" encoding="utf-8"?>
+<p:sld xmlns:a="http://schemas.openxmlformats.org/drawingml/2006/main" xmlns:r="http://schemas.openxmlformats.org/officeDocument/2006/relationships" xmlns:p="http://schemas.openxmlformats.org/presentationml/2006/main">
+  <p:cSld>
+    <p:spTree>
+      <p:nvGrpSpPr>
+        <p:cNvPr id="1" name=""/>
+        <p:cNvGrpSpPr/>
+        <p:nvPr/>
+      </p:nvGrpSpPr>
+      <p:grpSpPr>
+        <a:xfrm>
+          <a:off x="0" y="0"/>
+          <a:ext cx="0" cy="0"/>
+          <a:chOff x="0" y="0"/>
+          <a:chExt cx="0" cy="0"/>
+        </a:xfrm>
+      </p:grpSpPr>
+      <p:sp>
+        <p:nvSpPr>
+          <p:cNvPr id="35842" name="Rectangle 2"/>
+          <p:cNvSpPr>
+            <a:spLocks noGrp="1" noChangeArrowheads="1"/>
+          </p:cNvSpPr>
+          <p:nvPr>
+            <p:ph type="title"/>
+          </p:nvPr>
+        </p:nvSpPr>
+        <p:spPr/>
+        <p:txBody>
+          <a:bodyPr/>
+          <a:lstStyle/>
+          <a:p>
+            <a:r>
+              <a:rPr lang="en-US" altLang="en-US" dirty="0"/>
+              <a:t>How do we not compare every pair?</a:t>
+            </a:r>
+          </a:p>
+        </p:txBody>
+      </p:sp>
+      <p:sp>
+        <p:nvSpPr>
+          <p:cNvPr id="35843" name="Rectangle 3"/>
+          <p:cNvSpPr>
+            <a:spLocks noGrp="1" noChangeArrowheads="1"/>
+          </p:cNvSpPr>
+          <p:nvPr>
+            <p:ph type="body" idx="1"/>
+          </p:nvPr>
+        </p:nvSpPr>
+        <p:spPr/>
+        <p:txBody>
+          <a:bodyPr/>
+          <a:lstStyle/>
+          <a:p>
+            <a:pPr>
+              <a:lnSpc>
+                <a:spcPct val="90000"/>
+              </a:lnSpc>
+            </a:pPr>
+            <a:r>
+              <a:rPr lang="en-US" altLang="en-US" sz="2800" dirty="0"/>
+              <a:t>How do we avoid looking at |A| * |B| pairs?</a:t>
+            </a:r>
+          </a:p>
+          <a:p>
+            <a:pPr>
+              <a:lnSpc>
+                <a:spcPct val="90000"/>
+              </a:lnSpc>
+            </a:pPr>
+            <a:r>
+              <a:rPr lang="en-US" altLang="en-US" sz="2800" i="1" dirty="0"/>
+              <a:t>Blocking: </a:t>
+            </a:r>
+            <a:r>
+              <a:rPr lang="en-US" altLang="en-US" sz="2800" dirty="0"/>
+              <a:t>choose a smaller set of pairs that will contain all or most matches.  </a:t>
+            </a:r>
+          </a:p>
+          <a:p>
+            <a:pPr lvl="1">
+              <a:lnSpc>
+                <a:spcPct val="90000"/>
+              </a:lnSpc>
+            </a:pPr>
+            <a:r>
+              <a:rPr lang="en-US" altLang="en-US" sz="2400" dirty="0"/>
+              <a:t>Simple blocking:  compare all pairs that “hash” to the same value (e.g., same </a:t>
+            </a:r>
+            <a:r>
+              <a:rPr lang="en-US" altLang="en-US" sz="2400" dirty="0" err="1"/>
+              <a:t>Soundex</a:t>
+            </a:r>
+            <a:r>
+              <a:rPr lang="en-US" altLang="en-US" sz="2400" dirty="0"/>
+              <a:t> code for last name, same birth year)</a:t>
+            </a:r>
+          </a:p>
+          <a:p>
+            <a:pPr lvl="1">
+              <a:lnSpc>
+                <a:spcPct val="90000"/>
+              </a:lnSpc>
+            </a:pPr>
+            <a:r>
+              <a:rPr lang="en-US" altLang="en-US" sz="2400" dirty="0"/>
+              <a:t>Extensions (to increase </a:t>
+            </a:r>
+            <a:r>
+              <a:rPr lang="en-US" altLang="en-US" sz="2400" i="1" dirty="0"/>
+              <a:t>recall </a:t>
+            </a:r>
+            <a:r>
+              <a:rPr lang="en-US" altLang="en-US" sz="2400" dirty="0"/>
+              <a:t>of set of pairs):</a:t>
+            </a:r>
+          </a:p>
+          <a:p>
+            <a:pPr lvl="2">
+              <a:lnSpc>
+                <a:spcPct val="90000"/>
+              </a:lnSpc>
+            </a:pPr>
+            <a:r>
+              <a:rPr lang="en-US" altLang="en-US" sz="2000" dirty="0"/>
+              <a:t>Block on </a:t>
+            </a:r>
+            <a:r>
+              <a:rPr lang="en-US" altLang="en-US" sz="2000" i="1" dirty="0"/>
+              <a:t>multiple</a:t>
+            </a:r>
+            <a:r>
+              <a:rPr lang="en-US" altLang="en-US" sz="2000" dirty="0"/>
+              <a:t> attributes (</a:t>
+            </a:r>
+            <a:r>
+              <a:rPr lang="en-US" altLang="en-US" sz="2000" dirty="0" err="1"/>
+              <a:t>soundex</a:t>
+            </a:r>
+            <a:r>
+              <a:rPr lang="en-US" altLang="en-US" sz="2000" dirty="0"/>
+              <a:t>, zip code) and take union of all pairs found.</a:t>
+            </a:r>
+          </a:p>
+          <a:p>
+            <a:pPr lvl="2">
+              <a:lnSpc>
+                <a:spcPct val="90000"/>
+              </a:lnSpc>
+            </a:pPr>
+            <a:r>
+              <a:rPr lang="en-US" altLang="en-US" sz="2000" i="1" dirty="0"/>
+              <a:t>Windowing:</a:t>
+            </a:r>
+            <a:r>
+              <a:rPr lang="en-US" altLang="en-US" sz="2000" dirty="0"/>
+              <a:t> Pick (numerically or lexically) </a:t>
+            </a:r>
+            <a:r>
+              <a:rPr lang="en-US" altLang="en-US" sz="2000" i="1" dirty="0"/>
+              <a:t>ordered</a:t>
+            </a:r>
+            <a:r>
+              <a:rPr lang="en-US" altLang="en-US" sz="2000" dirty="0"/>
+              <a:t> attributes and sort (e.g., sort on last name).  The pick all pairs that appear “near” each other in the sorted order.</a:t>
+            </a:r>
+          </a:p>
+        </p:txBody>
+      </p:sp>
+    </p:spTree>
+    <p:extLst>
+      <p:ext uri="{BB962C8B-B14F-4D97-AF65-F5344CB8AC3E}">
+        <p14:creationId xmlns:p14="http://schemas.microsoft.com/office/powerpoint/2010/main" val="3772462634"/>
+      </p:ext>
+    </p:extLst>
+  </p:cSld>
+  <p:clrMapOvr>
+    <a:masterClrMapping/>
+  </p:clrMapOvr>
+</p:sld>
+</file>
+
+<file path=ppt/slides/slide15.xml><?xml version="1.0" encoding="utf-8"?>
 <p:sld xmlns:a="http://schemas.openxmlformats.org/drawingml/2006/main" xmlns:r="http://schemas.openxmlformats.org/officeDocument/2006/relationships" xmlns:p="http://schemas.openxmlformats.org/presentationml/2006/main">
   <p:cSld>
     <p:spTree>
@@ -13090,268 +13215,6 @@
           <a:p>
             <a:r>
               <a:rPr lang="en-US" dirty="0"/>
-              <a:t>“Fuzzy” Matching System	</a:t>
-            </a:r>
-          </a:p>
-        </p:txBody>
-      </p:sp>
-      <p:sp>
-        <p:nvSpPr>
-          <p:cNvPr id="3" name="Content Placeholder 2"/>
-          <p:cNvSpPr>
-            <a:spLocks noGrp="1"/>
-          </p:cNvSpPr>
-          <p:nvPr>
-            <p:ph type="body" idx="1"/>
-          </p:nvPr>
-        </p:nvSpPr>
-        <p:spPr/>
-        <p:txBody>
-          <a:bodyPr/>
-          <a:lstStyle/>
-          <a:p>
-            <a:r>
-              <a:rPr lang="en-US" dirty="0"/>
-              <a:t>Apply set of cascading rules</a:t>
-            </a:r>
-          </a:p>
-          <a:p>
-            <a:r>
-              <a:rPr lang="en-US" dirty="0"/>
-              <a:t>Assign confidence score based on which rules fire</a:t>
-            </a:r>
-          </a:p>
-        </p:txBody>
-      </p:sp>
-    </p:spTree>
-    <p:extLst>
-      <p:ext uri="{BB962C8B-B14F-4D97-AF65-F5344CB8AC3E}">
-        <p14:creationId xmlns:p14="http://schemas.microsoft.com/office/powerpoint/2010/main" val="2363932908"/>
-      </p:ext>
-    </p:extLst>
-  </p:cSld>
-  <p:clrMapOvr>
-    <a:masterClrMapping/>
-  </p:clrMapOvr>
-</p:sld>
-</file>
-
-<file path=ppt/slides/slide15.xml><?xml version="1.0" encoding="utf-8"?>
-<p:sld xmlns:a="http://schemas.openxmlformats.org/drawingml/2006/main" xmlns:r="http://schemas.openxmlformats.org/officeDocument/2006/relationships" xmlns:p="http://schemas.openxmlformats.org/presentationml/2006/main">
-  <p:cSld>
-    <p:spTree>
-      <p:nvGrpSpPr>
-        <p:cNvPr id="1" name=""/>
-        <p:cNvGrpSpPr/>
-        <p:nvPr/>
-      </p:nvGrpSpPr>
-      <p:grpSpPr>
-        <a:xfrm>
-          <a:off x="0" y="0"/>
-          <a:ext cx="0" cy="0"/>
-          <a:chOff x="0" y="0"/>
-          <a:chExt cx="0" cy="0"/>
-        </a:xfrm>
-      </p:grpSpPr>
-      <p:sp>
-        <p:nvSpPr>
-          <p:cNvPr id="35842" name="Rectangle 2"/>
-          <p:cNvSpPr>
-            <a:spLocks noGrp="1" noChangeArrowheads="1"/>
-          </p:cNvSpPr>
-          <p:nvPr>
-            <p:ph type="title"/>
-          </p:nvPr>
-        </p:nvSpPr>
-        <p:spPr/>
-        <p:txBody>
-          <a:bodyPr/>
-          <a:lstStyle/>
-          <a:p>
-            <a:r>
-              <a:rPr lang="en-US" altLang="en-US" dirty="0"/>
-              <a:t>How do we not compare every pair?</a:t>
-            </a:r>
-          </a:p>
-        </p:txBody>
-      </p:sp>
-      <p:sp>
-        <p:nvSpPr>
-          <p:cNvPr id="35843" name="Rectangle 3"/>
-          <p:cNvSpPr>
-            <a:spLocks noGrp="1" noChangeArrowheads="1"/>
-          </p:cNvSpPr>
-          <p:nvPr>
-            <p:ph type="body" idx="1"/>
-          </p:nvPr>
-        </p:nvSpPr>
-        <p:spPr/>
-        <p:txBody>
-          <a:bodyPr/>
-          <a:lstStyle/>
-          <a:p>
-            <a:pPr>
-              <a:lnSpc>
-                <a:spcPct val="90000"/>
-              </a:lnSpc>
-            </a:pPr>
-            <a:r>
-              <a:rPr lang="en-US" altLang="en-US" sz="2800" dirty="0"/>
-              <a:t>How do we avoid looking at |A| * |B| pairs?</a:t>
-            </a:r>
-          </a:p>
-          <a:p>
-            <a:pPr>
-              <a:lnSpc>
-                <a:spcPct val="90000"/>
-              </a:lnSpc>
-            </a:pPr>
-            <a:r>
-              <a:rPr lang="en-US" altLang="en-US" sz="2800" i="1" dirty="0"/>
-              <a:t>Blocking: </a:t>
-            </a:r>
-            <a:r>
-              <a:rPr lang="en-US" altLang="en-US" sz="2800" dirty="0"/>
-              <a:t>choose a smaller set of pairs that will contain all or most matches.  </a:t>
-            </a:r>
-          </a:p>
-          <a:p>
-            <a:pPr lvl="1">
-              <a:lnSpc>
-                <a:spcPct val="90000"/>
-              </a:lnSpc>
-            </a:pPr>
-            <a:r>
-              <a:rPr lang="en-US" altLang="en-US" sz="2400" dirty="0"/>
-              <a:t>Simple blocking:  compare all pairs that “hash” to the same value (e.g., same </a:t>
-            </a:r>
-            <a:r>
-              <a:rPr lang="en-US" altLang="en-US" sz="2400" dirty="0" err="1"/>
-              <a:t>Soundex</a:t>
-            </a:r>
-            <a:r>
-              <a:rPr lang="en-US" altLang="en-US" sz="2400" dirty="0"/>
-              <a:t> code for last name, same birth year)</a:t>
-            </a:r>
-          </a:p>
-          <a:p>
-            <a:pPr lvl="1">
-              <a:lnSpc>
-                <a:spcPct val="90000"/>
-              </a:lnSpc>
-            </a:pPr>
-            <a:r>
-              <a:rPr lang="en-US" altLang="en-US" sz="2400" dirty="0"/>
-              <a:t>Extensions (to increase </a:t>
-            </a:r>
-            <a:r>
-              <a:rPr lang="en-US" altLang="en-US" sz="2400" i="1" dirty="0"/>
-              <a:t>recall </a:t>
-            </a:r>
-            <a:r>
-              <a:rPr lang="en-US" altLang="en-US" sz="2400" dirty="0"/>
-              <a:t>of set of pairs):</a:t>
-            </a:r>
-          </a:p>
-          <a:p>
-            <a:pPr lvl="2">
-              <a:lnSpc>
-                <a:spcPct val="90000"/>
-              </a:lnSpc>
-            </a:pPr>
-            <a:r>
-              <a:rPr lang="en-US" altLang="en-US" sz="2000" dirty="0"/>
-              <a:t>Block on </a:t>
-            </a:r>
-            <a:r>
-              <a:rPr lang="en-US" altLang="en-US" sz="2000" i="1" dirty="0"/>
-              <a:t>multiple</a:t>
-            </a:r>
-            <a:r>
-              <a:rPr lang="en-US" altLang="en-US" sz="2000" dirty="0"/>
-              <a:t> attributes (</a:t>
-            </a:r>
-            <a:r>
-              <a:rPr lang="en-US" altLang="en-US" sz="2000" dirty="0" err="1"/>
-              <a:t>soundex</a:t>
-            </a:r>
-            <a:r>
-              <a:rPr lang="en-US" altLang="en-US" sz="2000" dirty="0"/>
-              <a:t>, zip code) and take union of all pairs found.</a:t>
-            </a:r>
-          </a:p>
-          <a:p>
-            <a:pPr lvl="2">
-              <a:lnSpc>
-                <a:spcPct val="90000"/>
-              </a:lnSpc>
-            </a:pPr>
-            <a:r>
-              <a:rPr lang="en-US" altLang="en-US" sz="2000" i="1" dirty="0"/>
-              <a:t>Windowing:</a:t>
-            </a:r>
-            <a:r>
-              <a:rPr lang="en-US" altLang="en-US" sz="2000" dirty="0"/>
-              <a:t> Pick (numerically or lexically) </a:t>
-            </a:r>
-            <a:r>
-              <a:rPr lang="en-US" altLang="en-US" sz="2000" i="1" dirty="0"/>
-              <a:t>ordered</a:t>
-            </a:r>
-            <a:r>
-              <a:rPr lang="en-US" altLang="en-US" sz="2000" dirty="0"/>
-              <a:t> attributes and sort (e.g., sort on last name).  The pick all pairs that appear “near” each other in the sorted order.</a:t>
-            </a:r>
-          </a:p>
-        </p:txBody>
-      </p:sp>
-    </p:spTree>
-    <p:extLst>
-      <p:ext uri="{BB962C8B-B14F-4D97-AF65-F5344CB8AC3E}">
-        <p14:creationId xmlns:p14="http://schemas.microsoft.com/office/powerpoint/2010/main" val="3772462634"/>
-      </p:ext>
-    </p:extLst>
-  </p:cSld>
-  <p:clrMapOvr>
-    <a:masterClrMapping/>
-  </p:clrMapOvr>
-</p:sld>
-</file>
-
-<file path=ppt/slides/slide16.xml><?xml version="1.0" encoding="utf-8"?>
-<p:sld xmlns:a="http://schemas.openxmlformats.org/drawingml/2006/main" xmlns:r="http://schemas.openxmlformats.org/officeDocument/2006/relationships" xmlns:p="http://schemas.openxmlformats.org/presentationml/2006/main">
-  <p:cSld>
-    <p:spTree>
-      <p:nvGrpSpPr>
-        <p:cNvPr id="1" name=""/>
-        <p:cNvGrpSpPr/>
-        <p:nvPr/>
-      </p:nvGrpSpPr>
-      <p:grpSpPr>
-        <a:xfrm>
-          <a:off x="0" y="0"/>
-          <a:ext cx="0" cy="0"/>
-          <a:chOff x="0" y="0"/>
-          <a:chExt cx="0" cy="0"/>
-        </a:xfrm>
-      </p:grpSpPr>
-      <p:sp>
-        <p:nvSpPr>
-          <p:cNvPr id="2" name="Title 1"/>
-          <p:cNvSpPr>
-            <a:spLocks noGrp="1"/>
-          </p:cNvSpPr>
-          <p:nvPr>
-            <p:ph type="title"/>
-          </p:nvPr>
-        </p:nvSpPr>
-        <p:spPr/>
-        <p:txBody>
-          <a:bodyPr/>
-          <a:lstStyle/>
-          <a:p>
-            <a:r>
-              <a:rPr lang="en-US" dirty="0"/>
               <a:t>Machine Learning based Record Linkage</a:t>
             </a:r>
           </a:p>
@@ -13453,7 +13316,7 @@
 </p:sld>
 </file>
 
-<file path=ppt/slides/slide17.xml><?xml version="1.0" encoding="utf-8"?>
+<file path=ppt/slides/slide16.xml><?xml version="1.0" encoding="utf-8"?>
 <p:sld xmlns:a="http://schemas.openxmlformats.org/drawingml/2006/main" xmlns:r="http://schemas.openxmlformats.org/officeDocument/2006/relationships" xmlns:p="http://schemas.openxmlformats.org/presentationml/2006/main">
   <p:cSld>
     <p:spTree>
@@ -13539,6 +13402,92 @@
     <p:extLst>
       <p:ext uri="{BB962C8B-B14F-4D97-AF65-F5344CB8AC3E}">
         <p14:creationId xmlns:p14="http://schemas.microsoft.com/office/powerpoint/2010/main" val="834575629"/>
+      </p:ext>
+    </p:extLst>
+  </p:cSld>
+  <p:clrMapOvr>
+    <a:masterClrMapping/>
+  </p:clrMapOvr>
+</p:sld>
+</file>
+
+<file path=ppt/slides/slide17.xml><?xml version="1.0" encoding="utf-8"?>
+<p:sld xmlns:a="http://schemas.openxmlformats.org/drawingml/2006/main" xmlns:r="http://schemas.openxmlformats.org/officeDocument/2006/relationships" xmlns:p="http://schemas.openxmlformats.org/presentationml/2006/main">
+  <p:cSld>
+    <p:spTree>
+      <p:nvGrpSpPr>
+        <p:cNvPr id="1" name=""/>
+        <p:cNvGrpSpPr/>
+        <p:nvPr/>
+      </p:nvGrpSpPr>
+      <p:grpSpPr>
+        <a:xfrm>
+          <a:off x="0" y="0"/>
+          <a:ext cx="0" cy="0"/>
+          <a:chOff x="0" y="0"/>
+          <a:chExt cx="0" cy="0"/>
+        </a:xfrm>
+      </p:grpSpPr>
+      <p:sp>
+        <p:nvSpPr>
+          <p:cNvPr id="2" name="Title 1">
+            <a:extLst>
+              <a:ext uri="{FF2B5EF4-FFF2-40B4-BE49-F238E27FC236}">
+                <a16:creationId xmlns:a16="http://schemas.microsoft.com/office/drawing/2014/main" id="{52E04EB1-290D-E647-B684-F8A3D3B280EE}"/>
+              </a:ext>
+            </a:extLst>
+          </p:cNvPr>
+          <p:cNvSpPr>
+            <a:spLocks noGrp="1"/>
+          </p:cNvSpPr>
+          <p:nvPr>
+            <p:ph type="title"/>
+          </p:nvPr>
+        </p:nvSpPr>
+        <p:spPr/>
+        <p:txBody>
+          <a:bodyPr/>
+          <a:lstStyle/>
+          <a:p>
+            <a:r>
+              <a:rPr lang="en-US" dirty="0"/>
+              <a:t>Discussion Topic</a:t>
+            </a:r>
+          </a:p>
+        </p:txBody>
+      </p:sp>
+      <p:sp>
+        <p:nvSpPr>
+          <p:cNvPr id="3" name="Text Placeholder 2">
+            <a:extLst>
+              <a:ext uri="{FF2B5EF4-FFF2-40B4-BE49-F238E27FC236}">
+                <a16:creationId xmlns:a16="http://schemas.microsoft.com/office/drawing/2014/main" id="{73DF5889-4B8C-7449-87CD-1929C07EE849}"/>
+              </a:ext>
+            </a:extLst>
+          </p:cNvPr>
+          <p:cNvSpPr>
+            <a:spLocks noGrp="1"/>
+          </p:cNvSpPr>
+          <p:nvPr>
+            <p:ph type="body" idx="1"/>
+          </p:nvPr>
+        </p:nvSpPr>
+        <p:spPr/>
+        <p:txBody>
+          <a:bodyPr/>
+          <a:lstStyle/>
+          <a:p>
+            <a:r>
+              <a:rPr lang="en-US" dirty="0"/>
+              <a:t>What are downstream ethical issues when dealing with errors in record linkage?</a:t>
+            </a:r>
+          </a:p>
+        </p:txBody>
+      </p:sp>
+    </p:spTree>
+    <p:extLst>
+      <p:ext uri="{BB962C8B-B14F-4D97-AF65-F5344CB8AC3E}">
+        <p14:creationId xmlns:p14="http://schemas.microsoft.com/office/powerpoint/2010/main" val="4210785574"/>
       </p:ext>
     </p:extLst>
   </p:cSld>
@@ -14395,94 +14344,6 @@
       </p:grpSpPr>
       <p:sp>
         <p:nvSpPr>
-          <p:cNvPr id="2" name="Title 1">
-            <a:extLst>
-              <a:ext uri="{FF2B5EF4-FFF2-40B4-BE49-F238E27FC236}">
-                <a16:creationId xmlns:a16="http://schemas.microsoft.com/office/drawing/2014/main" id="{A3965DCD-726F-224C-899E-471FDBC01514}"/>
-              </a:ext>
-            </a:extLst>
-          </p:cNvPr>
-          <p:cNvSpPr>
-            <a:spLocks noGrp="1"/>
-          </p:cNvSpPr>
-          <p:nvPr>
-            <p:ph type="title"/>
-          </p:nvPr>
-        </p:nvSpPr>
-        <p:spPr/>
-        <p:txBody>
-          <a:bodyPr/>
-          <a:lstStyle/>
-          <a:p>
-            <a:r>
-              <a:rPr lang="en-US" dirty="0"/>
-              <a:t>Data (Record) Linkage</a:t>
-            </a:r>
-          </a:p>
-        </p:txBody>
-      </p:sp>
-      <p:pic>
-        <p:nvPicPr>
-          <p:cNvPr id="5" name="Picture 4">
-            <a:extLst>
-              <a:ext uri="{FF2B5EF4-FFF2-40B4-BE49-F238E27FC236}">
-                <a16:creationId xmlns:a16="http://schemas.microsoft.com/office/drawing/2014/main" id="{13115592-3DD1-7F44-90EF-1A0C2E2EE18C}"/>
-              </a:ext>
-            </a:extLst>
-          </p:cNvPr>
-          <p:cNvPicPr>
-            <a:picLocks noChangeAspect="1"/>
-          </p:cNvPicPr>
-          <p:nvPr/>
-        </p:nvPicPr>
-        <p:blipFill>
-          <a:blip r:embed="rId2"/>
-          <a:stretch>
-            <a:fillRect/>
-          </a:stretch>
-        </p:blipFill>
-        <p:spPr>
-          <a:xfrm>
-            <a:off x="2160785" y="1536632"/>
-            <a:ext cx="6106947" cy="5321367"/>
-          </a:xfrm>
-          <a:prstGeom prst="rect">
-            <a:avLst/>
-          </a:prstGeom>
-        </p:spPr>
-      </p:pic>
-    </p:spTree>
-    <p:extLst>
-      <p:ext uri="{BB962C8B-B14F-4D97-AF65-F5344CB8AC3E}">
-        <p14:creationId xmlns:p14="http://schemas.microsoft.com/office/powerpoint/2010/main" val="1962904010"/>
-      </p:ext>
-    </p:extLst>
-  </p:cSld>
-  <p:clrMapOvr>
-    <a:masterClrMapping/>
-  </p:clrMapOvr>
-</p:sld>
-</file>
-
-<file path=ppt/slides/slide8.xml><?xml version="1.0" encoding="utf-8"?>
-<p:sld xmlns:a="http://schemas.openxmlformats.org/drawingml/2006/main" xmlns:r="http://schemas.openxmlformats.org/officeDocument/2006/relationships" xmlns:p="http://schemas.openxmlformats.org/presentationml/2006/main">
-  <p:cSld>
-    <p:spTree>
-      <p:nvGrpSpPr>
-        <p:cNvPr id="1" name=""/>
-        <p:cNvGrpSpPr/>
-        <p:nvPr/>
-      </p:nvGrpSpPr>
-      <p:grpSpPr>
-        <a:xfrm>
-          <a:off x="0" y="0"/>
-          <a:ext cx="0" cy="0"/>
-          <a:chOff x="0" y="0"/>
-          <a:chExt cx="0" cy="0"/>
-        </a:xfrm>
-      </p:grpSpPr>
-      <p:sp>
-        <p:nvSpPr>
           <p:cNvPr id="7170" name="Rectangle 2"/>
           <p:cNvSpPr>
             <a:spLocks noGrp="1" noChangeArrowheads="1"/>
@@ -14584,7 +14445,7 @@
 </p:sld>
 </file>
 
-<file path=ppt/slides/slide9.xml><?xml version="1.0" encoding="utf-8"?>
+<file path=ppt/slides/slide8.xml><?xml version="1.0" encoding="utf-8"?>
 <p:sld xmlns:a="http://schemas.openxmlformats.org/drawingml/2006/main" xmlns:r="http://schemas.openxmlformats.org/officeDocument/2006/relationships" xmlns:p="http://schemas.openxmlformats.org/presentationml/2006/main">
   <p:cSld>
     <p:spTree>
@@ -14709,6 +14570,143 @@
     <p:extLst>
       <p:ext uri="{BB962C8B-B14F-4D97-AF65-F5344CB8AC3E}">
         <p14:creationId xmlns:p14="http://schemas.microsoft.com/office/powerpoint/2010/main" val="2446059493"/>
+      </p:ext>
+    </p:extLst>
+  </p:cSld>
+  <p:clrMapOvr>
+    <a:masterClrMapping/>
+  </p:clrMapOvr>
+</p:sld>
+</file>
+
+<file path=ppt/slides/slide9.xml><?xml version="1.0" encoding="utf-8"?>
+<p:sld xmlns:a="http://schemas.openxmlformats.org/drawingml/2006/main" xmlns:r="http://schemas.openxmlformats.org/officeDocument/2006/relationships" xmlns:p="http://schemas.openxmlformats.org/presentationml/2006/main">
+  <p:cSld>
+    <p:spTree>
+      <p:nvGrpSpPr>
+        <p:cNvPr id="1" name=""/>
+        <p:cNvGrpSpPr/>
+        <p:nvPr/>
+      </p:nvGrpSpPr>
+      <p:grpSpPr>
+        <a:xfrm>
+          <a:off x="0" y="0"/>
+          <a:ext cx="0" cy="0"/>
+          <a:chOff x="0" y="0"/>
+          <a:chExt cx="0" cy="0"/>
+        </a:xfrm>
+      </p:grpSpPr>
+      <p:sp>
+        <p:nvSpPr>
+          <p:cNvPr id="2" name="Title 1"/>
+          <p:cNvSpPr>
+            <a:spLocks noGrp="1"/>
+          </p:cNvSpPr>
+          <p:nvPr>
+            <p:ph type="title"/>
+          </p:nvPr>
+        </p:nvSpPr>
+        <p:spPr/>
+        <p:txBody>
+          <a:bodyPr/>
+          <a:lstStyle/>
+          <a:p>
+            <a:r>
+              <a:rPr lang="en-US" dirty="0"/>
+              <a:t>Factors to consider</a:t>
+            </a:r>
+          </a:p>
+        </p:txBody>
+      </p:sp>
+      <p:sp>
+        <p:nvSpPr>
+          <p:cNvPr id="3" name="Content Placeholder 2"/>
+          <p:cNvSpPr>
+            <a:spLocks noGrp="1"/>
+          </p:cNvSpPr>
+          <p:nvPr>
+            <p:ph type="body" idx="1"/>
+          </p:nvPr>
+        </p:nvSpPr>
+        <p:spPr/>
+        <p:txBody>
+          <a:bodyPr>
+            <a:normAutofit fontScale="77500" lnSpcReduction="20000"/>
+          </a:bodyPr>
+          <a:lstStyle/>
+          <a:p>
+            <a:r>
+              <a:rPr lang="en-US" dirty="0" err="1"/>
+              <a:t>Deduping</a:t>
+            </a:r>
+            <a:r>
+              <a:rPr lang="en-US" dirty="0"/>
+              <a:t> or Linkage</a:t>
+            </a:r>
+          </a:p>
+          <a:p>
+            <a:pPr lvl="1"/>
+            <a:r>
+              <a:rPr lang="en-US" dirty="0"/>
+              <a:t>1-1 or 1-many or many-1</a:t>
+            </a:r>
+          </a:p>
+          <a:p>
+            <a:pPr lvl="1"/>
+            <a:endParaRPr lang="en-US" dirty="0"/>
+          </a:p>
+          <a:p>
+            <a:r>
+              <a:rPr lang="en-US" dirty="0"/>
+              <a:t>Rule-based or ML based</a:t>
+            </a:r>
+          </a:p>
+          <a:p>
+            <a:pPr lvl="1"/>
+            <a:r>
+              <a:rPr lang="en-US" dirty="0"/>
+              <a:t>Do you have labeled training data?</a:t>
+            </a:r>
+          </a:p>
+          <a:p>
+            <a:pPr lvl="1"/>
+            <a:endParaRPr lang="en-US" dirty="0"/>
+          </a:p>
+          <a:p>
+            <a:r>
+              <a:rPr lang="en-US" dirty="0"/>
+              <a:t>Domain specific or generic similarity metrics?</a:t>
+            </a:r>
+          </a:p>
+          <a:p>
+            <a:endParaRPr lang="en-US" dirty="0"/>
+          </a:p>
+          <a:p>
+            <a:r>
+              <a:rPr lang="en-US" dirty="0"/>
+              <a:t>Evaluation metric</a:t>
+            </a:r>
+          </a:p>
+          <a:p>
+            <a:pPr lvl="1"/>
+            <a:r>
+              <a:rPr lang="en-US" dirty="0"/>
+              <a:t>Precision or recall</a:t>
+            </a:r>
+          </a:p>
+          <a:p>
+            <a:pPr lvl="1"/>
+            <a:r>
+              <a:rPr lang="en-US" dirty="0"/>
+              <a:t>Task-specific - Implications on future analysis (bias for example)</a:t>
+            </a:r>
+          </a:p>
+        </p:txBody>
+      </p:sp>
+    </p:spTree>
+    <p:extLst>
+      <p:ext uri="{BB962C8B-B14F-4D97-AF65-F5344CB8AC3E}">
+        <p14:creationId xmlns:p14="http://schemas.microsoft.com/office/powerpoint/2010/main" val="562180733"/>
       </p:ext>
     </p:extLst>
   </p:cSld>

--- a/02 - Case Studies and Acquiring Data/data.pptx
+++ b/02 - Case Studies and Acquiring Data/data.pptx
@@ -5,27 +5,31 @@
     <p:sldMasterId id="2147483648" r:id="rId1"/>
   </p:sldMasterIdLst>
   <p:notesMasterIdLst>
-    <p:notesMasterId r:id="rId20"/>
+    <p:notesMasterId r:id="rId24"/>
   </p:notesMasterIdLst>
   <p:sldIdLst>
     <p:sldId id="256" r:id="rId2"/>
     <p:sldId id="281" r:id="rId3"/>
-    <p:sldId id="295" r:id="rId4"/>
-    <p:sldId id="282" r:id="rId5"/>
-    <p:sldId id="285" r:id="rId6"/>
-    <p:sldId id="283" r:id="rId7"/>
-    <p:sldId id="260" r:id="rId8"/>
-    <p:sldId id="261" r:id="rId9"/>
-    <p:sldId id="287" r:id="rId10"/>
-    <p:sldId id="262" r:id="rId11"/>
-    <p:sldId id="288" r:id="rId12"/>
-    <p:sldId id="289" r:id="rId13"/>
-    <p:sldId id="290" r:id="rId14"/>
-    <p:sldId id="280" r:id="rId15"/>
-    <p:sldId id="291" r:id="rId16"/>
-    <p:sldId id="293" r:id="rId17"/>
-    <p:sldId id="296" r:id="rId18"/>
-    <p:sldId id="294" r:id="rId19"/>
+    <p:sldId id="298" r:id="rId4"/>
+    <p:sldId id="299" r:id="rId5"/>
+    <p:sldId id="300" r:id="rId6"/>
+    <p:sldId id="301" r:id="rId7"/>
+    <p:sldId id="295" r:id="rId8"/>
+    <p:sldId id="282" r:id="rId9"/>
+    <p:sldId id="285" r:id="rId10"/>
+    <p:sldId id="283" r:id="rId11"/>
+    <p:sldId id="260" r:id="rId12"/>
+    <p:sldId id="261" r:id="rId13"/>
+    <p:sldId id="287" r:id="rId14"/>
+    <p:sldId id="262" r:id="rId15"/>
+    <p:sldId id="288" r:id="rId16"/>
+    <p:sldId id="289" r:id="rId17"/>
+    <p:sldId id="290" r:id="rId18"/>
+    <p:sldId id="280" r:id="rId19"/>
+    <p:sldId id="291" r:id="rId20"/>
+    <p:sldId id="293" r:id="rId21"/>
+    <p:sldId id="302" r:id="rId22"/>
+    <p:sldId id="297" r:id="rId23"/>
   </p:sldIdLst>
   <p:sldSz cx="12192000" cy="6858000"/>
   <p:notesSz cx="6858000" cy="9144000"/>
@@ -263,7 +267,7 @@
       <p15:sldGuideLst xmlns:p15="http://schemas.microsoft.com/office/powerpoint/2012/main"/>
     </p:ext>
     <p:ext uri="http://customooxmlschemas.google.com/">
-      <go:slidesCustomData xmlns="" xmlns:mc="http://schemas.openxmlformats.org/markup-compatibility/2006" xmlns:mv="urn:schemas-microsoft-com:mac:vml" xmlns:c="http://schemas.openxmlformats.org/drawingml/2006/chart" xmlns:dgm="http://schemas.openxmlformats.org/drawingml/2006/diagram" xmlns:o="urn:schemas-microsoft-com:office:office" xmlns:v="urn:schemas-microsoft-com:vml" xmlns:pvml="urn:schemas-microsoft-com:office:powerpoint" xmlns:com="http://schemas.openxmlformats.org/drawingml/2006/compatibility" xmlns:p14="http://schemas.microsoft.com/office/powerpoint/2010/main" xmlns:p15="http://schemas.microsoft.com/office/powerpoint/2012/main" xmlns:go="http://customooxmlschemas.google.com/" r:id="rId30" roundtripDataSignature="AMtx7mjFyVUGRZWio+dc9dxzYsimUxNJbg=="/>
+      <go:slidesCustomData xmlns:go="http://customooxmlschemas.google.com/" xmlns:p15="http://schemas.microsoft.com/office/powerpoint/2012/main" xmlns:p14="http://schemas.microsoft.com/office/powerpoint/2010/main" xmlns:com="http://schemas.openxmlformats.org/drawingml/2006/compatibility" xmlns:pvml="urn:schemas-microsoft-com:office:powerpoint" xmlns:v="urn:schemas-microsoft-com:vml" xmlns:o="urn:schemas-microsoft-com:office:office" xmlns:dgm="http://schemas.openxmlformats.org/drawingml/2006/diagram" xmlns:c="http://schemas.openxmlformats.org/drawingml/2006/chart" xmlns:mv="urn:schemas-microsoft-com:mac:vml" xmlns:mc="http://schemas.openxmlformats.org/markup-compatibility/2006" xmlns="" r:id="rId30" roundtripDataSignature="AMtx7mjFyVUGRZWio+dc9dxzYsimUxNJbg=="/>
     </p:ext>
   </p:extLst>
 </p:presentation>
@@ -12099,6 +12103,507 @@
       </p:grpSpPr>
       <p:sp>
         <p:nvSpPr>
+          <p:cNvPr id="2" name="Title 1">
+            <a:extLst>
+              <a:ext uri="{FF2B5EF4-FFF2-40B4-BE49-F238E27FC236}">
+                <a16:creationId xmlns:a16="http://schemas.microsoft.com/office/drawing/2014/main" id="{976F140B-CCBA-6544-AE2A-A3E88E046C57}"/>
+              </a:ext>
+            </a:extLst>
+          </p:cNvPr>
+          <p:cNvSpPr>
+            <a:spLocks noGrp="1"/>
+          </p:cNvSpPr>
+          <p:nvPr>
+            <p:ph type="title"/>
+          </p:nvPr>
+        </p:nvSpPr>
+        <p:spPr/>
+        <p:txBody>
+          <a:bodyPr/>
+          <a:lstStyle/>
+          <a:p>
+            <a:r>
+              <a:rPr lang="en-US" dirty="0"/>
+              <a:t>Data Storage</a:t>
+            </a:r>
+          </a:p>
+        </p:txBody>
+      </p:sp>
+      <p:sp>
+        <p:nvSpPr>
+          <p:cNvPr id="3" name="Text Placeholder 2">
+            <a:extLst>
+              <a:ext uri="{FF2B5EF4-FFF2-40B4-BE49-F238E27FC236}">
+                <a16:creationId xmlns:a16="http://schemas.microsoft.com/office/drawing/2014/main" id="{88BFB7A9-1DE4-3B44-ACD9-B7066AE5097C}"/>
+              </a:ext>
+            </a:extLst>
+          </p:cNvPr>
+          <p:cNvSpPr>
+            <a:spLocks noGrp="1"/>
+          </p:cNvSpPr>
+          <p:nvPr>
+            <p:ph type="body" idx="1"/>
+          </p:nvPr>
+        </p:nvSpPr>
+        <p:spPr/>
+        <p:txBody>
+          <a:bodyPr/>
+          <a:lstStyle/>
+          <a:p>
+            <a:r>
+              <a:rPr lang="en-US" dirty="0"/>
+              <a:t>Use Databases whenever possible</a:t>
+            </a:r>
+          </a:p>
+          <a:p>
+            <a:pPr lvl="1"/>
+            <a:r>
+              <a:rPr lang="en-US" dirty="0"/>
+              <a:t>Types of databases</a:t>
+            </a:r>
+          </a:p>
+          <a:p>
+            <a:pPr lvl="1"/>
+            <a:endParaRPr lang="en-US" dirty="0"/>
+          </a:p>
+          <a:p>
+            <a:r>
+              <a:rPr lang="en-US" dirty="0"/>
+              <a:t>Deidentification when dealing with confidential/sensitive identifiable data</a:t>
+            </a:r>
+          </a:p>
+          <a:p>
+            <a:pPr lvl="1"/>
+            <a:r>
+              <a:rPr lang="en-US" dirty="0"/>
+              <a:t>hashing</a:t>
+            </a:r>
+          </a:p>
+        </p:txBody>
+      </p:sp>
+    </p:spTree>
+    <p:extLst>
+      <p:ext uri="{BB962C8B-B14F-4D97-AF65-F5344CB8AC3E}">
+        <p14:creationId xmlns:p14="http://schemas.microsoft.com/office/powerpoint/2010/main" val="1278687259"/>
+      </p:ext>
+    </p:extLst>
+  </p:cSld>
+  <p:clrMapOvr>
+    <a:masterClrMapping/>
+  </p:clrMapOvr>
+</p:sld>
+</file>
+
+<file path=ppt/slides/slide11.xml><?xml version="1.0" encoding="utf-8"?>
+<p:sld xmlns:a="http://schemas.openxmlformats.org/drawingml/2006/main" xmlns:r="http://schemas.openxmlformats.org/officeDocument/2006/relationships" xmlns:p="http://schemas.openxmlformats.org/presentationml/2006/main">
+  <p:cSld>
+    <p:spTree>
+      <p:nvGrpSpPr>
+        <p:cNvPr id="1" name=""/>
+        <p:cNvGrpSpPr/>
+        <p:nvPr/>
+      </p:nvGrpSpPr>
+      <p:grpSpPr>
+        <a:xfrm>
+          <a:off x="0" y="0"/>
+          <a:ext cx="0" cy="0"/>
+          <a:chOff x="0" y="0"/>
+          <a:chExt cx="0" cy="0"/>
+        </a:xfrm>
+      </p:grpSpPr>
+      <p:sp>
+        <p:nvSpPr>
+          <p:cNvPr id="7170" name="Rectangle 2"/>
+          <p:cNvSpPr>
+            <a:spLocks noGrp="1" noChangeArrowheads="1"/>
+          </p:cNvSpPr>
+          <p:nvPr>
+            <p:ph type="title"/>
+          </p:nvPr>
+        </p:nvSpPr>
+        <p:spPr/>
+        <p:txBody>
+          <a:bodyPr/>
+          <a:lstStyle/>
+          <a:p>
+            <a:r>
+              <a:rPr lang="en-US" altLang="en-US" dirty="0"/>
+              <a:t> Linkage: Goals</a:t>
+            </a:r>
+          </a:p>
+        </p:txBody>
+      </p:sp>
+      <p:sp>
+        <p:nvSpPr>
+          <p:cNvPr id="7171" name="Rectangle 3"/>
+          <p:cNvSpPr>
+            <a:spLocks noGrp="1" noChangeArrowheads="1"/>
+          </p:cNvSpPr>
+          <p:nvPr>
+            <p:ph type="body" idx="1"/>
+          </p:nvPr>
+        </p:nvSpPr>
+        <p:spPr/>
+        <p:txBody>
+          <a:bodyPr>
+            <a:normAutofit/>
+          </a:bodyPr>
+          <a:lstStyle/>
+          <a:p>
+            <a:r>
+              <a:rPr lang="en-US" altLang="en-US" sz="3200" dirty="0"/>
+              <a:t>Determine if pairs of </a:t>
+            </a:r>
+            <a:r>
+              <a:rPr lang="en-US" altLang="en-US" sz="3200" i="1" dirty="0"/>
+              <a:t>records </a:t>
+            </a:r>
+            <a:r>
+              <a:rPr lang="en-US" altLang="en-US" sz="3200" dirty="0"/>
+              <a:t>describe the same </a:t>
+            </a:r>
+            <a:r>
+              <a:rPr lang="en-US" altLang="en-US" sz="3200"/>
+              <a:t>entity </a:t>
+            </a:r>
+            <a:endParaRPr lang="en-US" altLang="en-US" sz="3200" dirty="0"/>
+          </a:p>
+          <a:p>
+            <a:endParaRPr lang="en-US" altLang="en-US" sz="3200" dirty="0"/>
+          </a:p>
+          <a:p>
+            <a:r>
+              <a:rPr lang="en-US" altLang="en-US" sz="3200" dirty="0"/>
+              <a:t>Main applications: </a:t>
+            </a:r>
+          </a:p>
+          <a:p>
+            <a:pPr lvl="1"/>
+            <a:r>
+              <a:rPr lang="en-US" altLang="en-US" sz="2800" i="1" dirty="0"/>
+              <a:t>Joining</a:t>
+            </a:r>
+            <a:r>
+              <a:rPr lang="en-US" altLang="en-US" sz="2800" dirty="0"/>
+              <a:t> two different data sources</a:t>
+            </a:r>
+          </a:p>
+          <a:p>
+            <a:pPr lvl="1"/>
+            <a:r>
+              <a:rPr lang="en-US" altLang="en-US" sz="2800" i="1" dirty="0"/>
+              <a:t>Removing duplicates</a:t>
+            </a:r>
+            <a:r>
+              <a:rPr lang="en-US" altLang="en-US" sz="2800" dirty="0"/>
+              <a:t> from a single data source</a:t>
+            </a:r>
+          </a:p>
+        </p:txBody>
+      </p:sp>
+    </p:spTree>
+    <p:extLst>
+      <p:ext uri="{BB962C8B-B14F-4D97-AF65-F5344CB8AC3E}">
+        <p14:creationId xmlns:p14="http://schemas.microsoft.com/office/powerpoint/2010/main" val="3416135692"/>
+      </p:ext>
+    </p:extLst>
+  </p:cSld>
+  <p:clrMapOvr>
+    <a:masterClrMapping/>
+  </p:clrMapOvr>
+</p:sld>
+</file>
+
+<file path=ppt/slides/slide12.xml><?xml version="1.0" encoding="utf-8"?>
+<p:sld xmlns:a="http://schemas.openxmlformats.org/drawingml/2006/main" xmlns:r="http://schemas.openxmlformats.org/officeDocument/2006/relationships" xmlns:p="http://schemas.openxmlformats.org/presentationml/2006/main">
+  <p:cSld>
+    <p:spTree>
+      <p:nvGrpSpPr>
+        <p:cNvPr id="1" name=""/>
+        <p:cNvGrpSpPr/>
+        <p:nvPr/>
+      </p:nvGrpSpPr>
+      <p:grpSpPr>
+        <a:xfrm>
+          <a:off x="0" y="0"/>
+          <a:ext cx="0" cy="0"/>
+          <a:chOff x="0" y="0"/>
+          <a:chExt cx="0" cy="0"/>
+        </a:xfrm>
+      </p:grpSpPr>
+      <p:sp>
+        <p:nvSpPr>
+          <p:cNvPr id="8194" name="Rectangle 2"/>
+          <p:cNvSpPr>
+            <a:spLocks noGrp="1" noChangeArrowheads="1"/>
+          </p:cNvSpPr>
+          <p:nvPr>
+            <p:ph type="title"/>
+          </p:nvPr>
+        </p:nvSpPr>
+        <p:spPr/>
+        <p:txBody>
+          <a:bodyPr/>
+          <a:lstStyle/>
+          <a:p>
+            <a:r>
+              <a:rPr lang="en-US" altLang="en-US" dirty="0"/>
+              <a:t> Record Linkage: Synonyms</a:t>
+            </a:r>
+          </a:p>
+        </p:txBody>
+      </p:sp>
+      <p:sp>
+        <p:nvSpPr>
+          <p:cNvPr id="8195" name="Rectangle 3"/>
+          <p:cNvSpPr>
+            <a:spLocks noGrp="1" noChangeArrowheads="1"/>
+          </p:cNvSpPr>
+          <p:nvPr>
+            <p:ph type="body" idx="1"/>
+          </p:nvPr>
+        </p:nvSpPr>
+        <p:spPr/>
+        <p:txBody>
+          <a:bodyPr/>
+          <a:lstStyle/>
+          <a:p>
+            <a:pPr>
+              <a:lnSpc>
+                <a:spcPct val="150000"/>
+              </a:lnSpc>
+            </a:pPr>
+            <a:r>
+              <a:rPr lang="en-US" altLang="en-US" dirty="0"/>
+              <a:t>(data) matching</a:t>
+            </a:r>
+          </a:p>
+          <a:p>
+            <a:pPr>
+              <a:lnSpc>
+                <a:spcPct val="150000"/>
+              </a:lnSpc>
+            </a:pPr>
+            <a:r>
+              <a:rPr lang="en-US" altLang="en-US" dirty="0"/>
+              <a:t>merge/purge</a:t>
+            </a:r>
+          </a:p>
+          <a:p>
+            <a:pPr>
+              <a:lnSpc>
+                <a:spcPct val="150000"/>
+              </a:lnSpc>
+            </a:pPr>
+            <a:r>
+              <a:rPr lang="en-US" altLang="en-US" dirty="0"/>
+              <a:t>duplicate detection</a:t>
+            </a:r>
+          </a:p>
+          <a:p>
+            <a:pPr>
+              <a:lnSpc>
+                <a:spcPct val="150000"/>
+              </a:lnSpc>
+            </a:pPr>
+            <a:r>
+              <a:rPr lang="en-US" altLang="en-US" dirty="0"/>
+              <a:t>de-duping</a:t>
+            </a:r>
+          </a:p>
+          <a:p>
+            <a:pPr>
+              <a:lnSpc>
+                <a:spcPct val="150000"/>
+              </a:lnSpc>
+            </a:pPr>
+            <a:r>
+              <a:rPr lang="en-US" altLang="en-US" dirty="0"/>
+              <a:t>reference matching</a:t>
+            </a:r>
+          </a:p>
+          <a:p>
+            <a:pPr>
+              <a:lnSpc>
+                <a:spcPct val="150000"/>
+              </a:lnSpc>
+            </a:pPr>
+            <a:r>
+              <a:rPr lang="en-US" altLang="en-US" dirty="0"/>
+              <a:t>co-reference/anaphora resolution</a:t>
+            </a:r>
+          </a:p>
+        </p:txBody>
+      </p:sp>
+    </p:spTree>
+    <p:extLst>
+      <p:ext uri="{BB962C8B-B14F-4D97-AF65-F5344CB8AC3E}">
+        <p14:creationId xmlns:p14="http://schemas.microsoft.com/office/powerpoint/2010/main" val="2446059493"/>
+      </p:ext>
+    </p:extLst>
+  </p:cSld>
+  <p:clrMapOvr>
+    <a:masterClrMapping/>
+  </p:clrMapOvr>
+</p:sld>
+</file>
+
+<file path=ppt/slides/slide13.xml><?xml version="1.0" encoding="utf-8"?>
+<p:sld xmlns:a="http://schemas.openxmlformats.org/drawingml/2006/main" xmlns:r="http://schemas.openxmlformats.org/officeDocument/2006/relationships" xmlns:p="http://schemas.openxmlformats.org/presentationml/2006/main">
+  <p:cSld>
+    <p:spTree>
+      <p:nvGrpSpPr>
+        <p:cNvPr id="1" name=""/>
+        <p:cNvGrpSpPr/>
+        <p:nvPr/>
+      </p:nvGrpSpPr>
+      <p:grpSpPr>
+        <a:xfrm>
+          <a:off x="0" y="0"/>
+          <a:ext cx="0" cy="0"/>
+          <a:chOff x="0" y="0"/>
+          <a:chExt cx="0" cy="0"/>
+        </a:xfrm>
+      </p:grpSpPr>
+      <p:sp>
+        <p:nvSpPr>
+          <p:cNvPr id="2" name="Title 1"/>
+          <p:cNvSpPr>
+            <a:spLocks noGrp="1"/>
+          </p:cNvSpPr>
+          <p:nvPr>
+            <p:ph type="title"/>
+          </p:nvPr>
+        </p:nvSpPr>
+        <p:spPr/>
+        <p:txBody>
+          <a:bodyPr/>
+          <a:lstStyle/>
+          <a:p>
+            <a:r>
+              <a:rPr lang="en-US" dirty="0"/>
+              <a:t>Factors to consider</a:t>
+            </a:r>
+          </a:p>
+        </p:txBody>
+      </p:sp>
+      <p:sp>
+        <p:nvSpPr>
+          <p:cNvPr id="3" name="Content Placeholder 2"/>
+          <p:cNvSpPr>
+            <a:spLocks noGrp="1"/>
+          </p:cNvSpPr>
+          <p:nvPr>
+            <p:ph type="body" idx="1"/>
+          </p:nvPr>
+        </p:nvSpPr>
+        <p:spPr/>
+        <p:txBody>
+          <a:bodyPr>
+            <a:normAutofit fontScale="77500" lnSpcReduction="20000"/>
+          </a:bodyPr>
+          <a:lstStyle/>
+          <a:p>
+            <a:r>
+              <a:rPr lang="en-US" dirty="0" err="1"/>
+              <a:t>Deduping</a:t>
+            </a:r>
+            <a:r>
+              <a:rPr lang="en-US" dirty="0"/>
+              <a:t> or Linkage</a:t>
+            </a:r>
+          </a:p>
+          <a:p>
+            <a:pPr lvl="1"/>
+            <a:r>
+              <a:rPr lang="en-US" dirty="0"/>
+              <a:t>1-1 or 1-many or many-1</a:t>
+            </a:r>
+          </a:p>
+          <a:p>
+            <a:pPr lvl="1"/>
+            <a:endParaRPr lang="en-US" dirty="0"/>
+          </a:p>
+          <a:p>
+            <a:r>
+              <a:rPr lang="en-US" dirty="0"/>
+              <a:t>Rule-based or ML based</a:t>
+            </a:r>
+          </a:p>
+          <a:p>
+            <a:pPr lvl="1"/>
+            <a:r>
+              <a:rPr lang="en-US" dirty="0"/>
+              <a:t>Do you have labeled training data?</a:t>
+            </a:r>
+          </a:p>
+          <a:p>
+            <a:pPr lvl="1"/>
+            <a:endParaRPr lang="en-US" dirty="0"/>
+          </a:p>
+          <a:p>
+            <a:r>
+              <a:rPr lang="en-US" dirty="0"/>
+              <a:t>Domain specific or generic similarity metrics?</a:t>
+            </a:r>
+          </a:p>
+          <a:p>
+            <a:endParaRPr lang="en-US" dirty="0"/>
+          </a:p>
+          <a:p>
+            <a:r>
+              <a:rPr lang="en-US" dirty="0"/>
+              <a:t>Evaluation metric</a:t>
+            </a:r>
+          </a:p>
+          <a:p>
+            <a:pPr lvl="1"/>
+            <a:r>
+              <a:rPr lang="en-US" dirty="0"/>
+              <a:t>Precision or recall</a:t>
+            </a:r>
+          </a:p>
+          <a:p>
+            <a:pPr lvl="1"/>
+            <a:r>
+              <a:rPr lang="en-US" dirty="0"/>
+              <a:t>Task-specific - Implications on future analysis (bias for example)</a:t>
+            </a:r>
+          </a:p>
+        </p:txBody>
+      </p:sp>
+    </p:spTree>
+    <p:extLst>
+      <p:ext uri="{BB962C8B-B14F-4D97-AF65-F5344CB8AC3E}">
+        <p14:creationId xmlns:p14="http://schemas.microsoft.com/office/powerpoint/2010/main" val="562180733"/>
+      </p:ext>
+    </p:extLst>
+  </p:cSld>
+  <p:clrMapOvr>
+    <a:masterClrMapping/>
+  </p:clrMapOvr>
+</p:sld>
+</file>
+
+<file path=ppt/slides/slide14.xml><?xml version="1.0" encoding="utf-8"?>
+<p:sld xmlns:a="http://schemas.openxmlformats.org/drawingml/2006/main" xmlns:r="http://schemas.openxmlformats.org/officeDocument/2006/relationships" xmlns:p="http://schemas.openxmlformats.org/presentationml/2006/main">
+  <p:cSld>
+    <p:spTree>
+      <p:nvGrpSpPr>
+        <p:cNvPr id="1" name=""/>
+        <p:cNvGrpSpPr/>
+        <p:nvPr/>
+      </p:nvGrpSpPr>
+      <p:grpSpPr>
+        <a:xfrm>
+          <a:off x="0" y="0"/>
+          <a:ext cx="0" cy="0"/>
+          <a:chOff x="0" y="0"/>
+          <a:chExt cx="0" cy="0"/>
+        </a:xfrm>
+      </p:grpSpPr>
+      <p:sp>
+        <p:nvSpPr>
           <p:cNvPr id="9218" name="Rectangle 2"/>
           <p:cNvSpPr>
             <a:spLocks noGrp="1" noChangeArrowheads="1"/>
@@ -12168,7 +12673,7 @@
 </p:sld>
 </file>
 
-<file path=ppt/slides/slide11.xml><?xml version="1.0" encoding="utf-8"?>
+<file path=ppt/slides/slide15.xml><?xml version="1.0" encoding="utf-8"?>
 <p:sld xmlns:a="http://schemas.openxmlformats.org/drawingml/2006/main" xmlns:r="http://schemas.openxmlformats.org/officeDocument/2006/relationships" xmlns:p="http://schemas.openxmlformats.org/presentationml/2006/main">
   <p:cSld>
     <p:spTree>
@@ -12827,7 +13332,7 @@
 </p:sld>
 </file>
 
-<file path=ppt/slides/slide12.xml><?xml version="1.0" encoding="utf-8"?>
+<file path=ppt/slides/slide16.xml><?xml version="1.0" encoding="utf-8"?>
 <p:sld xmlns:a="http://schemas.openxmlformats.org/drawingml/2006/main" xmlns:r="http://schemas.openxmlformats.org/officeDocument/2006/relationships" xmlns:p="http://schemas.openxmlformats.org/presentationml/2006/main">
   <p:cSld>
     <p:spTree>
@@ -12919,7 +13424,7 @@
 </p:sld>
 </file>
 
-<file path=ppt/slides/slide13.xml><?xml version="1.0" encoding="utf-8"?>
+<file path=ppt/slides/slide17.xml><?xml version="1.0" encoding="utf-8"?>
 <p:sld xmlns:a="http://schemas.openxmlformats.org/drawingml/2006/main" xmlns:r="http://schemas.openxmlformats.org/officeDocument/2006/relationships" xmlns:p="http://schemas.openxmlformats.org/presentationml/2006/main">
   <p:cSld>
     <p:spTree>
@@ -12999,7 +13504,7 @@
 </p:sld>
 </file>
 
-<file path=ppt/slides/slide14.xml><?xml version="1.0" encoding="utf-8"?>
+<file path=ppt/slides/slide18.xml><?xml version="1.0" encoding="utf-8"?>
 <p:sld xmlns:a="http://schemas.openxmlformats.org/drawingml/2006/main" xmlns:r="http://schemas.openxmlformats.org/officeDocument/2006/relationships" xmlns:p="http://schemas.openxmlformats.org/presentationml/2006/main">
   <p:cSld>
     <p:spTree>
@@ -13181,7 +13686,7 @@
 </p:sld>
 </file>
 
-<file path=ppt/slides/slide15.xml><?xml version="1.0" encoding="utf-8"?>
+<file path=ppt/slides/slide19.xml><?xml version="1.0" encoding="utf-8"?>
 <p:sld xmlns:a="http://schemas.openxmlformats.org/drawingml/2006/main" xmlns:r="http://schemas.openxmlformats.org/officeDocument/2006/relationships" xmlns:p="http://schemas.openxmlformats.org/presentationml/2006/main">
   <p:cSld>
     <p:spTree>
@@ -13307,342 +13812,6 @@
     <p:extLst>
       <p:ext uri="{BB962C8B-B14F-4D97-AF65-F5344CB8AC3E}">
         <p14:creationId xmlns:p14="http://schemas.microsoft.com/office/powerpoint/2010/main" val="1221298556"/>
-      </p:ext>
-    </p:extLst>
-  </p:cSld>
-  <p:clrMapOvr>
-    <a:masterClrMapping/>
-  </p:clrMapOvr>
-</p:sld>
-</file>
-
-<file path=ppt/slides/slide16.xml><?xml version="1.0" encoding="utf-8"?>
-<p:sld xmlns:a="http://schemas.openxmlformats.org/drawingml/2006/main" xmlns:r="http://schemas.openxmlformats.org/officeDocument/2006/relationships" xmlns:p="http://schemas.openxmlformats.org/presentationml/2006/main">
-  <p:cSld>
-    <p:spTree>
-      <p:nvGrpSpPr>
-        <p:cNvPr id="1" name=""/>
-        <p:cNvGrpSpPr/>
-        <p:nvPr/>
-      </p:nvGrpSpPr>
-      <p:grpSpPr>
-        <a:xfrm>
-          <a:off x="0" y="0"/>
-          <a:ext cx="0" cy="0"/>
-          <a:chOff x="0" y="0"/>
-          <a:chExt cx="0" cy="0"/>
-        </a:xfrm>
-      </p:grpSpPr>
-      <p:sp>
-        <p:nvSpPr>
-          <p:cNvPr id="2" name="Title 1">
-            <a:extLst>
-              <a:ext uri="{FF2B5EF4-FFF2-40B4-BE49-F238E27FC236}">
-                <a16:creationId xmlns:a16="http://schemas.microsoft.com/office/drawing/2014/main" id="{14850FF5-E8EC-234D-805C-399C5033051A}"/>
-              </a:ext>
-            </a:extLst>
-          </p:cNvPr>
-          <p:cNvSpPr>
-            <a:spLocks noGrp="1"/>
-          </p:cNvSpPr>
-          <p:nvPr>
-            <p:ph type="title"/>
-          </p:nvPr>
-        </p:nvSpPr>
-        <p:spPr/>
-        <p:txBody>
-          <a:bodyPr/>
-          <a:lstStyle/>
-          <a:p>
-            <a:r>
-              <a:rPr lang="en-US" dirty="0"/>
-              <a:t>One-off versus recurring matching</a:t>
-            </a:r>
-          </a:p>
-        </p:txBody>
-      </p:sp>
-      <p:sp>
-        <p:nvSpPr>
-          <p:cNvPr id="3" name="Text Placeholder 2">
-            <a:extLst>
-              <a:ext uri="{FF2B5EF4-FFF2-40B4-BE49-F238E27FC236}">
-                <a16:creationId xmlns:a16="http://schemas.microsoft.com/office/drawing/2014/main" id="{0CD32BE4-76DA-C042-A3E3-35B452F39303}"/>
-              </a:ext>
-            </a:extLst>
-          </p:cNvPr>
-          <p:cNvSpPr>
-            <a:spLocks noGrp="1"/>
-          </p:cNvSpPr>
-          <p:nvPr>
-            <p:ph type="body" idx="1"/>
-          </p:nvPr>
-        </p:nvSpPr>
-        <p:spPr/>
-        <p:txBody>
-          <a:bodyPr/>
-          <a:lstStyle/>
-          <a:p>
-            <a:r>
-              <a:rPr lang="en-US" dirty="0"/>
-              <a:t>Unique identifiers: persistence?</a:t>
-            </a:r>
-          </a:p>
-          <a:p>
-            <a:endParaRPr lang="en-US" dirty="0"/>
-          </a:p>
-          <a:p>
-            <a:r>
-              <a:rPr lang="en-US" dirty="0"/>
-              <a:t>What do we do with new or changed pairs?</a:t>
-            </a:r>
-          </a:p>
-        </p:txBody>
-      </p:sp>
-    </p:spTree>
-    <p:extLst>
-      <p:ext uri="{BB962C8B-B14F-4D97-AF65-F5344CB8AC3E}">
-        <p14:creationId xmlns:p14="http://schemas.microsoft.com/office/powerpoint/2010/main" val="834575629"/>
-      </p:ext>
-    </p:extLst>
-  </p:cSld>
-  <p:clrMapOvr>
-    <a:masterClrMapping/>
-  </p:clrMapOvr>
-</p:sld>
-</file>
-
-<file path=ppt/slides/slide17.xml><?xml version="1.0" encoding="utf-8"?>
-<p:sld xmlns:a="http://schemas.openxmlformats.org/drawingml/2006/main" xmlns:r="http://schemas.openxmlformats.org/officeDocument/2006/relationships" xmlns:p="http://schemas.openxmlformats.org/presentationml/2006/main">
-  <p:cSld>
-    <p:spTree>
-      <p:nvGrpSpPr>
-        <p:cNvPr id="1" name=""/>
-        <p:cNvGrpSpPr/>
-        <p:nvPr/>
-      </p:nvGrpSpPr>
-      <p:grpSpPr>
-        <a:xfrm>
-          <a:off x="0" y="0"/>
-          <a:ext cx="0" cy="0"/>
-          <a:chOff x="0" y="0"/>
-          <a:chExt cx="0" cy="0"/>
-        </a:xfrm>
-      </p:grpSpPr>
-      <p:sp>
-        <p:nvSpPr>
-          <p:cNvPr id="2" name="Title 1">
-            <a:extLst>
-              <a:ext uri="{FF2B5EF4-FFF2-40B4-BE49-F238E27FC236}">
-                <a16:creationId xmlns:a16="http://schemas.microsoft.com/office/drawing/2014/main" id="{52E04EB1-290D-E647-B684-F8A3D3B280EE}"/>
-              </a:ext>
-            </a:extLst>
-          </p:cNvPr>
-          <p:cNvSpPr>
-            <a:spLocks noGrp="1"/>
-          </p:cNvSpPr>
-          <p:nvPr>
-            <p:ph type="title"/>
-          </p:nvPr>
-        </p:nvSpPr>
-        <p:spPr/>
-        <p:txBody>
-          <a:bodyPr/>
-          <a:lstStyle/>
-          <a:p>
-            <a:r>
-              <a:rPr lang="en-US" dirty="0"/>
-              <a:t>Discussion Topic</a:t>
-            </a:r>
-          </a:p>
-        </p:txBody>
-      </p:sp>
-      <p:sp>
-        <p:nvSpPr>
-          <p:cNvPr id="3" name="Text Placeholder 2">
-            <a:extLst>
-              <a:ext uri="{FF2B5EF4-FFF2-40B4-BE49-F238E27FC236}">
-                <a16:creationId xmlns:a16="http://schemas.microsoft.com/office/drawing/2014/main" id="{73DF5889-4B8C-7449-87CD-1929C07EE849}"/>
-              </a:ext>
-            </a:extLst>
-          </p:cNvPr>
-          <p:cNvSpPr>
-            <a:spLocks noGrp="1"/>
-          </p:cNvSpPr>
-          <p:nvPr>
-            <p:ph type="body" idx="1"/>
-          </p:nvPr>
-        </p:nvSpPr>
-        <p:spPr/>
-        <p:txBody>
-          <a:bodyPr/>
-          <a:lstStyle/>
-          <a:p>
-            <a:r>
-              <a:rPr lang="en-US" dirty="0"/>
-              <a:t>What are downstream ethical issues when dealing with errors in record linkage?</a:t>
-            </a:r>
-          </a:p>
-        </p:txBody>
-      </p:sp>
-    </p:spTree>
-    <p:extLst>
-      <p:ext uri="{BB962C8B-B14F-4D97-AF65-F5344CB8AC3E}">
-        <p14:creationId xmlns:p14="http://schemas.microsoft.com/office/powerpoint/2010/main" val="4210785574"/>
-      </p:ext>
-    </p:extLst>
-  </p:cSld>
-  <p:clrMapOvr>
-    <a:masterClrMapping/>
-  </p:clrMapOvr>
-</p:sld>
-</file>
-
-<file path=ppt/slides/slide18.xml><?xml version="1.0" encoding="utf-8"?>
-<p:sld xmlns:a="http://schemas.openxmlformats.org/drawingml/2006/main" xmlns:r="http://schemas.openxmlformats.org/officeDocument/2006/relationships" xmlns:p="http://schemas.openxmlformats.org/presentationml/2006/main">
-  <p:cSld>
-    <p:spTree>
-      <p:nvGrpSpPr>
-        <p:cNvPr id="1" name=""/>
-        <p:cNvGrpSpPr/>
-        <p:nvPr/>
-      </p:nvGrpSpPr>
-      <p:grpSpPr>
-        <a:xfrm>
-          <a:off x="0" y="0"/>
-          <a:ext cx="0" cy="0"/>
-          <a:chOff x="0" y="0"/>
-          <a:chExt cx="0" cy="0"/>
-        </a:xfrm>
-      </p:grpSpPr>
-      <p:sp>
-        <p:nvSpPr>
-          <p:cNvPr id="3" name="Title 2">
-            <a:extLst>
-              <a:ext uri="{FF2B5EF4-FFF2-40B4-BE49-F238E27FC236}">
-                <a16:creationId xmlns:a16="http://schemas.microsoft.com/office/drawing/2014/main" id="{9323871C-7CA8-1448-8FFC-1AE6E1838941}"/>
-              </a:ext>
-            </a:extLst>
-          </p:cNvPr>
-          <p:cNvSpPr>
-            <a:spLocks noGrp="1"/>
-          </p:cNvSpPr>
-          <p:nvPr>
-            <p:ph type="title"/>
-          </p:nvPr>
-        </p:nvSpPr>
-        <p:spPr/>
-        <p:txBody>
-          <a:bodyPr/>
-          <a:lstStyle/>
-          <a:p>
-            <a:r>
-              <a:rPr lang="en-US" dirty="0"/>
-              <a:t>Things to remember</a:t>
-            </a:r>
-          </a:p>
-        </p:txBody>
-      </p:sp>
-      <p:sp>
-        <p:nvSpPr>
-          <p:cNvPr id="4" name="Text Placeholder 3">
-            <a:extLst>
-              <a:ext uri="{FF2B5EF4-FFF2-40B4-BE49-F238E27FC236}">
-                <a16:creationId xmlns:a16="http://schemas.microsoft.com/office/drawing/2014/main" id="{5E600BA7-FA45-884F-9820-9E5F2CB7AA48}"/>
-              </a:ext>
-            </a:extLst>
-          </p:cNvPr>
-          <p:cNvSpPr>
-            <a:spLocks noGrp="1"/>
-          </p:cNvSpPr>
-          <p:nvPr>
-            <p:ph type="body" idx="1"/>
-          </p:nvPr>
-        </p:nvSpPr>
-        <p:spPr/>
-        <p:txBody>
-          <a:bodyPr/>
-          <a:lstStyle/>
-          <a:p>
-            <a:r>
-              <a:rPr lang="en-US" dirty="0"/>
-              <a:t>Make sure and check that you can access your project data today</a:t>
-            </a:r>
-          </a:p>
-          <a:p>
-            <a:r>
-              <a:rPr lang="en-US" dirty="0"/>
-              <a:t>What’s coming next week:</a:t>
-            </a:r>
-          </a:p>
-          <a:p>
-            <a:pPr lvl="1"/>
-            <a:r>
-              <a:rPr lang="en-US" dirty="0"/>
-              <a:t>Assignment</a:t>
-            </a:r>
-          </a:p>
-          <a:p>
-            <a:pPr lvl="2">
-              <a:lnSpc>
-                <a:spcPct val="100000"/>
-              </a:lnSpc>
-              <a:spcBef>
-                <a:spcPts val="500"/>
-              </a:spcBef>
-            </a:pPr>
-            <a:r>
-              <a:rPr lang="en-US" dirty="0"/>
-              <a:t>Weekly review</a:t>
-            </a:r>
-          </a:p>
-          <a:p>
-            <a:pPr lvl="2">
-              <a:lnSpc>
-                <a:spcPct val="100000"/>
-              </a:lnSpc>
-              <a:spcBef>
-                <a:spcPts val="500"/>
-              </a:spcBef>
-            </a:pPr>
-            <a:r>
-              <a:rPr lang="en-US" dirty="0"/>
-              <a:t>ACS Data loading</a:t>
-            </a:r>
-          </a:p>
-          <a:p>
-            <a:pPr lvl="1">
-              <a:lnSpc>
-                <a:spcPct val="100000"/>
-              </a:lnSpc>
-              <a:spcBef>
-                <a:spcPts val="500"/>
-              </a:spcBef>
-            </a:pPr>
-            <a:r>
-              <a:rPr lang="en-US" dirty="0"/>
-              <a:t>Readings</a:t>
-            </a:r>
-          </a:p>
-          <a:p>
-            <a:r>
-              <a:rPr lang="en-US" dirty="0"/>
-              <a:t>Make sure to read </a:t>
-            </a:r>
-            <a:r>
-              <a:rPr lang="en-US" b="1" dirty="0"/>
-              <a:t>project proposal </a:t>
-            </a:r>
-            <a:r>
-              <a:rPr lang="en-US" dirty="0"/>
-              <a:t>preparation guidelines</a:t>
-            </a:r>
-          </a:p>
-        </p:txBody>
-      </p:sp>
-    </p:spTree>
-    <p:extLst>
-      <p:ext uri="{BB962C8B-B14F-4D97-AF65-F5344CB8AC3E}">
-        <p14:creationId xmlns:p14="http://schemas.microsoft.com/office/powerpoint/2010/main" val="748443292"/>
       </p:ext>
     </p:extLst>
   </p:cSld>
@@ -13722,6 +13891,10 @@
               <a:rPr lang="en-US" b="1" dirty="0"/>
               <a:t>Make sure and check that you can access your project data today</a:t>
             </a:r>
+            <a:br>
+              <a:rPr lang="en-US" b="1" dirty="0"/>
+            </a:br>
+            <a:endParaRPr lang="en-US" b="1" dirty="0"/>
           </a:p>
           <a:p>
             <a:r>
@@ -13730,38 +13903,14 @@
             </a:r>
           </a:p>
           <a:p>
-            <a:pPr lvl="1"/>
-            <a:r>
-              <a:rPr lang="en-US" dirty="0"/>
-              <a:t>Assignment</a:t>
-            </a:r>
-          </a:p>
-          <a:p>
-            <a:pPr lvl="2">
-              <a:lnSpc>
-                <a:spcPct val="100000"/>
-              </a:lnSpc>
-              <a:spcBef>
-                <a:spcPts val="500"/>
+            <a:pPr lvl="1">
+              <a:spcBef>
+                <a:spcPts val="1000"/>
               </a:spcBef>
             </a:pPr>
             <a:r>
               <a:rPr lang="en-US" dirty="0"/>
-              <a:t>Weekly review</a:t>
-            </a:r>
-          </a:p>
-          <a:p>
-            <a:pPr lvl="2">
-              <a:lnSpc>
-                <a:spcPct val="100000"/>
-              </a:lnSpc>
-              <a:spcBef>
-                <a:spcPts val="500"/>
-              </a:spcBef>
-            </a:pPr>
-            <a:r>
-              <a:rPr lang="en-US" dirty="0"/>
-              <a:t>ACS Data loading</a:t>
+              <a:t>Tuesday: weekly feedback form</a:t>
             </a:r>
           </a:p>
           <a:p>
@@ -13775,8 +13924,12 @@
             </a:pPr>
             <a:r>
               <a:rPr lang="en-US" dirty="0"/>
-              <a:t>Readings</a:t>
+              <a:t>Readings for Thursday (Analytical Formulation)</a:t>
             </a:r>
+            <a:br>
+              <a:rPr lang="en-US" dirty="0"/>
+            </a:br>
+            <a:endParaRPr lang="en-US" dirty="0"/>
           </a:p>
           <a:p>
             <a:r>
@@ -13784,7 +13937,11 @@
               <a:t>Make sure to read </a:t>
             </a:r>
             <a:r>
-              <a:rPr lang="en-US" b="1" dirty="0"/>
+              <a:rPr lang="en-US" b="1" dirty="0">
+                <a:solidFill>
+                  <a:srgbClr val="C00000"/>
+                </a:solidFill>
+              </a:rPr>
               <a:t>project proposal </a:t>
             </a:r>
             <a:r>
@@ -13807,7 +13964,854 @@
 </p:sld>
 </file>
 
+<file path=ppt/slides/slide20.xml><?xml version="1.0" encoding="utf-8"?>
+<p:sld xmlns:a="http://schemas.openxmlformats.org/drawingml/2006/main" xmlns:r="http://schemas.openxmlformats.org/officeDocument/2006/relationships" xmlns:p="http://schemas.openxmlformats.org/presentationml/2006/main">
+  <p:cSld>
+    <p:spTree>
+      <p:nvGrpSpPr>
+        <p:cNvPr id="1" name=""/>
+        <p:cNvGrpSpPr/>
+        <p:nvPr/>
+      </p:nvGrpSpPr>
+      <p:grpSpPr>
+        <a:xfrm>
+          <a:off x="0" y="0"/>
+          <a:ext cx="0" cy="0"/>
+          <a:chOff x="0" y="0"/>
+          <a:chExt cx="0" cy="0"/>
+        </a:xfrm>
+      </p:grpSpPr>
+      <p:sp>
+        <p:nvSpPr>
+          <p:cNvPr id="2" name="Title 1">
+            <a:extLst>
+              <a:ext uri="{FF2B5EF4-FFF2-40B4-BE49-F238E27FC236}">
+                <a16:creationId xmlns:a16="http://schemas.microsoft.com/office/drawing/2014/main" id="{14850FF5-E8EC-234D-805C-399C5033051A}"/>
+              </a:ext>
+            </a:extLst>
+          </p:cNvPr>
+          <p:cNvSpPr>
+            <a:spLocks noGrp="1"/>
+          </p:cNvSpPr>
+          <p:nvPr>
+            <p:ph type="title"/>
+          </p:nvPr>
+        </p:nvSpPr>
+        <p:spPr/>
+        <p:txBody>
+          <a:bodyPr/>
+          <a:lstStyle/>
+          <a:p>
+            <a:r>
+              <a:rPr lang="en-US" dirty="0"/>
+              <a:t>One-off versus recurring matching</a:t>
+            </a:r>
+          </a:p>
+        </p:txBody>
+      </p:sp>
+      <p:sp>
+        <p:nvSpPr>
+          <p:cNvPr id="3" name="Text Placeholder 2">
+            <a:extLst>
+              <a:ext uri="{FF2B5EF4-FFF2-40B4-BE49-F238E27FC236}">
+                <a16:creationId xmlns:a16="http://schemas.microsoft.com/office/drawing/2014/main" id="{0CD32BE4-76DA-C042-A3E3-35B452F39303}"/>
+              </a:ext>
+            </a:extLst>
+          </p:cNvPr>
+          <p:cNvSpPr>
+            <a:spLocks noGrp="1"/>
+          </p:cNvSpPr>
+          <p:nvPr>
+            <p:ph type="body" idx="1"/>
+          </p:nvPr>
+        </p:nvSpPr>
+        <p:spPr/>
+        <p:txBody>
+          <a:bodyPr/>
+          <a:lstStyle/>
+          <a:p>
+            <a:r>
+              <a:rPr lang="en-US" dirty="0"/>
+              <a:t>Unique identifiers: persistence?</a:t>
+            </a:r>
+          </a:p>
+          <a:p>
+            <a:endParaRPr lang="en-US" dirty="0"/>
+          </a:p>
+          <a:p>
+            <a:r>
+              <a:rPr lang="en-US" dirty="0"/>
+              <a:t>What do we do with new or changed pairs?</a:t>
+            </a:r>
+          </a:p>
+        </p:txBody>
+      </p:sp>
+    </p:spTree>
+    <p:extLst>
+      <p:ext uri="{BB962C8B-B14F-4D97-AF65-F5344CB8AC3E}">
+        <p14:creationId xmlns:p14="http://schemas.microsoft.com/office/powerpoint/2010/main" val="834575629"/>
+      </p:ext>
+    </p:extLst>
+  </p:cSld>
+  <p:clrMapOvr>
+    <a:masterClrMapping/>
+  </p:clrMapOvr>
+</p:sld>
+</file>
+
+<file path=ppt/slides/slide21.xml><?xml version="1.0" encoding="utf-8"?>
+<p:sld xmlns:a="http://schemas.openxmlformats.org/drawingml/2006/main" xmlns:r="http://schemas.openxmlformats.org/officeDocument/2006/relationships" xmlns:p="http://schemas.openxmlformats.org/presentationml/2006/main">
+  <p:cSld>
+    <p:spTree>
+      <p:nvGrpSpPr>
+        <p:cNvPr id="1" name=""/>
+        <p:cNvGrpSpPr/>
+        <p:nvPr/>
+      </p:nvGrpSpPr>
+      <p:grpSpPr>
+        <a:xfrm>
+          <a:off x="0" y="0"/>
+          <a:ext cx="0" cy="0"/>
+          <a:chOff x="0" y="0"/>
+          <a:chExt cx="0" cy="0"/>
+        </a:xfrm>
+      </p:grpSpPr>
+      <p:sp>
+        <p:nvSpPr>
+          <p:cNvPr id="4" name="Text Placeholder 3">
+            <a:extLst>
+              <a:ext uri="{FF2B5EF4-FFF2-40B4-BE49-F238E27FC236}">
+                <a16:creationId xmlns:a16="http://schemas.microsoft.com/office/drawing/2014/main" id="{5E600BA7-FA45-884F-9820-9E5F2CB7AA48}"/>
+              </a:ext>
+            </a:extLst>
+          </p:cNvPr>
+          <p:cNvSpPr>
+            <a:spLocks noGrp="1"/>
+          </p:cNvSpPr>
+          <p:nvPr>
+            <p:ph type="body" idx="1"/>
+          </p:nvPr>
+        </p:nvSpPr>
+        <p:spPr>
+          <a:xfrm>
+            <a:off x="415650" y="2724664"/>
+            <a:ext cx="11360700" cy="1408672"/>
+          </a:xfrm>
+        </p:spPr>
+        <p:txBody>
+          <a:bodyPr/>
+          <a:lstStyle/>
+          <a:p>
+            <a:pPr marL="76200" indent="0" algn="ctr">
+              <a:buNone/>
+            </a:pPr>
+            <a:r>
+              <a:rPr lang="en-US" sz="4800" dirty="0"/>
+              <a:t>How could record linkage choices and methods impact bias and fairness?</a:t>
+            </a:r>
+          </a:p>
+        </p:txBody>
+      </p:sp>
+      <p:sp>
+        <p:nvSpPr>
+          <p:cNvPr id="3" name="Title 1">
+            <a:extLst>
+              <a:ext uri="{FF2B5EF4-FFF2-40B4-BE49-F238E27FC236}">
+                <a16:creationId xmlns:a16="http://schemas.microsoft.com/office/drawing/2014/main" id="{9CDFC252-FA93-E641-BB21-4E80983D7592}"/>
+              </a:ext>
+            </a:extLst>
+          </p:cNvPr>
+          <p:cNvSpPr>
+            <a:spLocks noGrp="1"/>
+          </p:cNvSpPr>
+          <p:nvPr>
+            <p:ph type="title"/>
+          </p:nvPr>
+        </p:nvSpPr>
+        <p:spPr>
+          <a:xfrm>
+            <a:off x="415600" y="593367"/>
+            <a:ext cx="11360700" cy="763500"/>
+          </a:xfrm>
+        </p:spPr>
+        <p:txBody>
+          <a:bodyPr/>
+          <a:lstStyle/>
+          <a:p>
+            <a:pPr algn="ctr"/>
+            <a:r>
+              <a:rPr lang="en-US" dirty="0"/>
+              <a:t>DISCUSSION QUESTION</a:t>
+            </a:r>
+          </a:p>
+        </p:txBody>
+      </p:sp>
+    </p:spTree>
+    <p:extLst>
+      <p:ext uri="{BB962C8B-B14F-4D97-AF65-F5344CB8AC3E}">
+        <p14:creationId xmlns:p14="http://schemas.microsoft.com/office/powerpoint/2010/main" val="1358956084"/>
+      </p:ext>
+    </p:extLst>
+  </p:cSld>
+  <p:clrMapOvr>
+    <a:masterClrMapping/>
+  </p:clrMapOvr>
+</p:sld>
+</file>
+
+<file path=ppt/slides/slide22.xml><?xml version="1.0" encoding="utf-8"?>
+<p:sld xmlns:a="http://schemas.openxmlformats.org/drawingml/2006/main" xmlns:r="http://schemas.openxmlformats.org/officeDocument/2006/relationships" xmlns:p="http://schemas.openxmlformats.org/presentationml/2006/main">
+  <p:cSld>
+    <p:spTree>
+      <p:nvGrpSpPr>
+        <p:cNvPr id="1" name=""/>
+        <p:cNvGrpSpPr/>
+        <p:nvPr/>
+      </p:nvGrpSpPr>
+      <p:grpSpPr>
+        <a:xfrm>
+          <a:off x="0" y="0"/>
+          <a:ext cx="0" cy="0"/>
+          <a:chOff x="0" y="0"/>
+          <a:chExt cx="0" cy="0"/>
+        </a:xfrm>
+      </p:grpSpPr>
+      <p:sp>
+        <p:nvSpPr>
+          <p:cNvPr id="3" name="Title 2">
+            <a:extLst>
+              <a:ext uri="{FF2B5EF4-FFF2-40B4-BE49-F238E27FC236}">
+                <a16:creationId xmlns:a16="http://schemas.microsoft.com/office/drawing/2014/main" id="{9323871C-7CA8-1448-8FFC-1AE6E1838941}"/>
+              </a:ext>
+            </a:extLst>
+          </p:cNvPr>
+          <p:cNvSpPr>
+            <a:spLocks noGrp="1"/>
+          </p:cNvSpPr>
+          <p:nvPr>
+            <p:ph type="title"/>
+          </p:nvPr>
+        </p:nvSpPr>
+        <p:spPr/>
+        <p:txBody>
+          <a:bodyPr/>
+          <a:lstStyle/>
+          <a:p>
+            <a:r>
+              <a:rPr lang="en-US" dirty="0"/>
+              <a:t>Things to remember</a:t>
+            </a:r>
+          </a:p>
+        </p:txBody>
+      </p:sp>
+      <p:sp>
+        <p:nvSpPr>
+          <p:cNvPr id="4" name="Text Placeholder 3">
+            <a:extLst>
+              <a:ext uri="{FF2B5EF4-FFF2-40B4-BE49-F238E27FC236}">
+                <a16:creationId xmlns:a16="http://schemas.microsoft.com/office/drawing/2014/main" id="{5E600BA7-FA45-884F-9820-9E5F2CB7AA48}"/>
+              </a:ext>
+            </a:extLst>
+          </p:cNvPr>
+          <p:cNvSpPr>
+            <a:spLocks noGrp="1"/>
+          </p:cNvSpPr>
+          <p:nvPr>
+            <p:ph type="body" idx="1"/>
+          </p:nvPr>
+        </p:nvSpPr>
+        <p:spPr/>
+        <p:txBody>
+          <a:bodyPr/>
+          <a:lstStyle/>
+          <a:p>
+            <a:r>
+              <a:rPr lang="en-US" b="1" dirty="0"/>
+              <a:t>Make sure and check that you can access your project data today</a:t>
+            </a:r>
+            <a:br>
+              <a:rPr lang="en-US" b="1" dirty="0"/>
+            </a:br>
+            <a:endParaRPr lang="en-US" b="1" dirty="0"/>
+          </a:p>
+          <a:p>
+            <a:r>
+              <a:rPr lang="en-US" dirty="0"/>
+              <a:t>What’s coming next week:</a:t>
+            </a:r>
+          </a:p>
+          <a:p>
+            <a:pPr lvl="1">
+              <a:spcBef>
+                <a:spcPts val="1000"/>
+              </a:spcBef>
+            </a:pPr>
+            <a:r>
+              <a:rPr lang="en-US" dirty="0"/>
+              <a:t>Tuesday: weekly feedback form</a:t>
+            </a:r>
+          </a:p>
+          <a:p>
+            <a:pPr lvl="1">
+              <a:lnSpc>
+                <a:spcPct val="100000"/>
+              </a:lnSpc>
+              <a:spcBef>
+                <a:spcPts val="500"/>
+              </a:spcBef>
+            </a:pPr>
+            <a:r>
+              <a:rPr lang="en-US" dirty="0"/>
+              <a:t>Readings for Thursday (Analytical Formulation)</a:t>
+            </a:r>
+            <a:br>
+              <a:rPr lang="en-US" dirty="0"/>
+            </a:br>
+            <a:endParaRPr lang="en-US" dirty="0"/>
+          </a:p>
+          <a:p>
+            <a:r>
+              <a:rPr lang="en-US" dirty="0"/>
+              <a:t>Make sure to read </a:t>
+            </a:r>
+            <a:r>
+              <a:rPr lang="en-US" b="1" dirty="0">
+                <a:solidFill>
+                  <a:srgbClr val="C00000"/>
+                </a:solidFill>
+              </a:rPr>
+              <a:t>project proposal </a:t>
+            </a:r>
+            <a:r>
+              <a:rPr lang="en-US" dirty="0"/>
+              <a:t>preparation guidelines</a:t>
+            </a:r>
+          </a:p>
+        </p:txBody>
+      </p:sp>
+    </p:spTree>
+    <p:extLst>
+      <p:ext uri="{BB962C8B-B14F-4D97-AF65-F5344CB8AC3E}">
+        <p14:creationId xmlns:p14="http://schemas.microsoft.com/office/powerpoint/2010/main" val="1079067400"/>
+      </p:ext>
+    </p:extLst>
+  </p:cSld>
+  <p:clrMapOvr>
+    <a:masterClrMapping/>
+  </p:clrMapOvr>
+</p:sld>
+</file>
+
 <file path=ppt/slides/slide3.xml><?xml version="1.0" encoding="utf-8"?>
+<p:sld xmlns:a="http://schemas.openxmlformats.org/drawingml/2006/main" xmlns:r="http://schemas.openxmlformats.org/officeDocument/2006/relationships" xmlns:p="http://schemas.openxmlformats.org/presentationml/2006/main">
+  <p:cSld>
+    <p:spTree>
+      <p:nvGrpSpPr>
+        <p:cNvPr id="1" name=""/>
+        <p:cNvGrpSpPr/>
+        <p:nvPr/>
+      </p:nvGrpSpPr>
+      <p:grpSpPr>
+        <a:xfrm>
+          <a:off x="0" y="0"/>
+          <a:ext cx="0" cy="0"/>
+          <a:chOff x="0" y="0"/>
+          <a:chExt cx="0" cy="0"/>
+        </a:xfrm>
+      </p:grpSpPr>
+      <p:sp>
+        <p:nvSpPr>
+          <p:cNvPr id="8194" name="Rectangle 2"/>
+          <p:cNvSpPr>
+            <a:spLocks noGrp="1" noChangeArrowheads="1"/>
+          </p:cNvSpPr>
+          <p:nvPr>
+            <p:ph type="title"/>
+          </p:nvPr>
+        </p:nvSpPr>
+        <p:spPr/>
+        <p:txBody>
+          <a:bodyPr/>
+          <a:lstStyle/>
+          <a:p>
+            <a:r>
+              <a:rPr lang="en-US" altLang="en-US" dirty="0"/>
+              <a:t> Working with Your Project Team</a:t>
+            </a:r>
+          </a:p>
+        </p:txBody>
+      </p:sp>
+      <p:sp>
+        <p:nvSpPr>
+          <p:cNvPr id="8195" name="Rectangle 3"/>
+          <p:cNvSpPr>
+            <a:spLocks noGrp="1" noChangeArrowheads="1"/>
+          </p:cNvSpPr>
+          <p:nvPr>
+            <p:ph type="body" idx="1"/>
+          </p:nvPr>
+        </p:nvSpPr>
+        <p:spPr/>
+        <p:txBody>
+          <a:bodyPr/>
+          <a:lstStyle/>
+          <a:p>
+            <a:pPr>
+              <a:lnSpc>
+                <a:spcPct val="150000"/>
+              </a:lnSpc>
+            </a:pPr>
+            <a:r>
+              <a:rPr lang="en-US" altLang="en-US" dirty="0"/>
+              <a:t>Teams designed to balance skills, backgrounds, and experiences</a:t>
+            </a:r>
+            <a:br>
+              <a:rPr lang="en-US" altLang="en-US" dirty="0"/>
+            </a:br>
+            <a:endParaRPr lang="en-US" altLang="en-US" dirty="0"/>
+          </a:p>
+          <a:p>
+            <a:pPr>
+              <a:lnSpc>
+                <a:spcPct val="150000"/>
+              </a:lnSpc>
+            </a:pPr>
+            <a:r>
+              <a:rPr lang="en-US" altLang="en-US" dirty="0"/>
+              <a:t>Spend some time up front figuring out how to work as a team and work styles</a:t>
+            </a:r>
+            <a:br>
+              <a:rPr lang="en-US" altLang="en-US" dirty="0"/>
+            </a:br>
+            <a:endParaRPr lang="en-US" altLang="en-US" dirty="0"/>
+          </a:p>
+          <a:p>
+            <a:pPr>
+              <a:lnSpc>
+                <a:spcPct val="150000"/>
+              </a:lnSpc>
+            </a:pPr>
+            <a:r>
+              <a:rPr lang="en-US" altLang="en-US" dirty="0"/>
+              <a:t>Everyone should participate in </a:t>
+            </a:r>
+            <a:r>
+              <a:rPr lang="en-US" altLang="en-US" b="1" dirty="0">
+                <a:solidFill>
+                  <a:srgbClr val="FF0000"/>
+                </a:solidFill>
+              </a:rPr>
+              <a:t>all</a:t>
+            </a:r>
+            <a:r>
+              <a:rPr lang="en-US" altLang="en-US" dirty="0"/>
+              <a:t> aspects of project</a:t>
+            </a:r>
+          </a:p>
+          <a:p>
+            <a:pPr lvl="1">
+              <a:lnSpc>
+                <a:spcPct val="100000"/>
+              </a:lnSpc>
+            </a:pPr>
+            <a:r>
+              <a:rPr lang="en-US" altLang="en-US" dirty="0"/>
+              <a:t>No individual should do the majority of the python coding, SQL writing, report writing</a:t>
+            </a:r>
+            <a:br>
+              <a:rPr lang="en-US" altLang="en-US" dirty="0"/>
+            </a:br>
+            <a:endParaRPr lang="en-US" altLang="en-US" dirty="0"/>
+          </a:p>
+          <a:p>
+            <a:pPr>
+              <a:lnSpc>
+                <a:spcPct val="150000"/>
+              </a:lnSpc>
+            </a:pPr>
+            <a:r>
+              <a:rPr lang="en-US" altLang="en-US" dirty="0"/>
+              <a:t>However, you should divide up different pieces of the work</a:t>
+            </a:r>
+          </a:p>
+          <a:p>
+            <a:pPr lvl="1">
+              <a:lnSpc>
+                <a:spcPct val="100000"/>
+              </a:lnSpc>
+            </a:pPr>
+            <a:r>
+              <a:rPr lang="en-US" altLang="en-US" dirty="0"/>
+              <a:t>For instance, working on different parts of the pipeline code in parallel or splitting up sections of the report</a:t>
+            </a:r>
+          </a:p>
+        </p:txBody>
+      </p:sp>
+    </p:spTree>
+    <p:extLst>
+      <p:ext uri="{BB962C8B-B14F-4D97-AF65-F5344CB8AC3E}">
+        <p14:creationId xmlns:p14="http://schemas.microsoft.com/office/powerpoint/2010/main" val="3883283808"/>
+      </p:ext>
+    </p:extLst>
+  </p:cSld>
+  <p:clrMapOvr>
+    <a:masterClrMapping/>
+  </p:clrMapOvr>
+</p:sld>
+</file>
+
+<file path=ppt/slides/slide4.xml><?xml version="1.0" encoding="utf-8"?>
+<p:sld xmlns:a="http://schemas.openxmlformats.org/drawingml/2006/main" xmlns:r="http://schemas.openxmlformats.org/officeDocument/2006/relationships" xmlns:p="http://schemas.openxmlformats.org/presentationml/2006/main">
+  <p:cSld>
+    <p:spTree>
+      <p:nvGrpSpPr>
+        <p:cNvPr id="1" name=""/>
+        <p:cNvGrpSpPr/>
+        <p:nvPr/>
+      </p:nvGrpSpPr>
+      <p:grpSpPr>
+        <a:xfrm>
+          <a:off x="0" y="0"/>
+          <a:ext cx="0" cy="0"/>
+          <a:chOff x="0" y="0"/>
+          <a:chExt cx="0" cy="0"/>
+        </a:xfrm>
+      </p:grpSpPr>
+      <p:sp>
+        <p:nvSpPr>
+          <p:cNvPr id="8194" name="Rectangle 2"/>
+          <p:cNvSpPr>
+            <a:spLocks noGrp="1" noChangeArrowheads="1"/>
+          </p:cNvSpPr>
+          <p:nvPr>
+            <p:ph type="title"/>
+          </p:nvPr>
+        </p:nvSpPr>
+        <p:spPr/>
+        <p:txBody>
+          <a:bodyPr/>
+          <a:lstStyle/>
+          <a:p>
+            <a:r>
+              <a:rPr lang="en-US" altLang="en-US" dirty="0"/>
+              <a:t> Working with Your Project Team</a:t>
+            </a:r>
+          </a:p>
+        </p:txBody>
+      </p:sp>
+      <p:sp>
+        <p:nvSpPr>
+          <p:cNvPr id="8195" name="Rectangle 3"/>
+          <p:cNvSpPr>
+            <a:spLocks noGrp="1" noChangeArrowheads="1"/>
+          </p:cNvSpPr>
+          <p:nvPr>
+            <p:ph type="body" idx="1"/>
+          </p:nvPr>
+        </p:nvSpPr>
+        <p:spPr>
+          <a:xfrm>
+            <a:off x="207750" y="1548990"/>
+            <a:ext cx="11776400" cy="4555200"/>
+          </a:xfrm>
+        </p:spPr>
+        <p:txBody>
+          <a:bodyPr/>
+          <a:lstStyle/>
+          <a:p>
+            <a:pPr>
+              <a:lnSpc>
+                <a:spcPct val="150000"/>
+              </a:lnSpc>
+            </a:pPr>
+            <a:r>
+              <a:rPr lang="en-US" altLang="en-US" dirty="0"/>
+              <a:t>We’re providing class time to make it easier to coordinate with your group and get feedback from peers and instructors, but you won’t be able to complete the project just in this allotted time</a:t>
+            </a:r>
+            <a:br>
+              <a:rPr lang="en-US" altLang="en-US" dirty="0"/>
+            </a:br>
+            <a:endParaRPr lang="en-US" altLang="en-US" dirty="0"/>
+          </a:p>
+          <a:p>
+            <a:pPr>
+              <a:lnSpc>
+                <a:spcPct val="150000"/>
+              </a:lnSpc>
+            </a:pPr>
+            <a:r>
+              <a:rPr lang="en-US" altLang="en-US" dirty="0"/>
+              <a:t>Tools for coordination:</a:t>
+            </a:r>
+          </a:p>
+          <a:p>
+            <a:pPr lvl="1">
+              <a:lnSpc>
+                <a:spcPct val="150000"/>
+              </a:lnSpc>
+            </a:pPr>
+            <a:r>
+              <a:rPr lang="en-US" altLang="en-US" dirty="0"/>
+              <a:t>Slack: we’ve created group-level and project-level channels. Additionally, feel free to use group DMs and video calls with your group to coordinate as well.</a:t>
+            </a:r>
+          </a:p>
+          <a:p>
+            <a:pPr lvl="1">
+              <a:lnSpc>
+                <a:spcPct val="150000"/>
+              </a:lnSpc>
+            </a:pPr>
+            <a:r>
+              <a:rPr lang="en-US" altLang="en-US" dirty="0"/>
+              <a:t>Many good free options for task tracking/management: </a:t>
+            </a:r>
+            <a:r>
+              <a:rPr lang="en-US" altLang="en-US" dirty="0" err="1"/>
+              <a:t>github</a:t>
+            </a:r>
+            <a:r>
+              <a:rPr lang="en-US" altLang="en-US" dirty="0"/>
+              <a:t> issues or project boards, </a:t>
+            </a:r>
+            <a:r>
+              <a:rPr lang="en-US" altLang="en-US" dirty="0" err="1"/>
+              <a:t>trello</a:t>
+            </a:r>
+            <a:r>
+              <a:rPr lang="en-US" altLang="en-US" dirty="0"/>
+              <a:t>, etc.</a:t>
+            </a:r>
+          </a:p>
+        </p:txBody>
+      </p:sp>
+    </p:spTree>
+    <p:extLst>
+      <p:ext uri="{BB962C8B-B14F-4D97-AF65-F5344CB8AC3E}">
+        <p14:creationId xmlns:p14="http://schemas.microsoft.com/office/powerpoint/2010/main" val="2143740766"/>
+      </p:ext>
+    </p:extLst>
+  </p:cSld>
+  <p:clrMapOvr>
+    <a:masterClrMapping/>
+  </p:clrMapOvr>
+</p:sld>
+</file>
+
+<file path=ppt/slides/slide5.xml><?xml version="1.0" encoding="utf-8"?>
+<p:sld xmlns:a="http://schemas.openxmlformats.org/drawingml/2006/main" xmlns:r="http://schemas.openxmlformats.org/officeDocument/2006/relationships" xmlns:p="http://schemas.openxmlformats.org/presentationml/2006/main">
+  <p:cSld>
+    <p:spTree>
+      <p:nvGrpSpPr>
+        <p:cNvPr id="1" name=""/>
+        <p:cNvGrpSpPr/>
+        <p:nvPr/>
+      </p:nvGrpSpPr>
+      <p:grpSpPr>
+        <a:xfrm>
+          <a:off x="0" y="0"/>
+          <a:ext cx="0" cy="0"/>
+          <a:chOff x="0" y="0"/>
+          <a:chExt cx="0" cy="0"/>
+        </a:xfrm>
+      </p:grpSpPr>
+      <p:sp>
+        <p:nvSpPr>
+          <p:cNvPr id="8194" name="Rectangle 2"/>
+          <p:cNvSpPr>
+            <a:spLocks noGrp="1" noChangeArrowheads="1"/>
+          </p:cNvSpPr>
+          <p:nvPr>
+            <p:ph type="title"/>
+          </p:nvPr>
+        </p:nvSpPr>
+        <p:spPr/>
+        <p:txBody>
+          <a:bodyPr/>
+          <a:lstStyle/>
+          <a:p>
+            <a:r>
+              <a:rPr lang="en-US" altLang="en-US" dirty="0"/>
+              <a:t> Working with Your Project Team</a:t>
+            </a:r>
+          </a:p>
+        </p:txBody>
+      </p:sp>
+      <p:sp>
+        <p:nvSpPr>
+          <p:cNvPr id="8195" name="Rectangle 3"/>
+          <p:cNvSpPr>
+            <a:spLocks noGrp="1" noChangeArrowheads="1"/>
+          </p:cNvSpPr>
+          <p:nvPr>
+            <p:ph type="body" idx="1"/>
+          </p:nvPr>
+        </p:nvSpPr>
+        <p:spPr>
+          <a:xfrm>
+            <a:off x="207750" y="1548990"/>
+            <a:ext cx="11776400" cy="4555200"/>
+          </a:xfrm>
+        </p:spPr>
+        <p:txBody>
+          <a:bodyPr/>
+          <a:lstStyle/>
+          <a:p>
+            <a:pPr>
+              <a:lnSpc>
+                <a:spcPct val="150000"/>
+              </a:lnSpc>
+            </a:pPr>
+            <a:r>
+              <a:rPr lang="en-US" altLang="en-US" dirty="0"/>
+              <a:t>Active participation in the group work throughout the entire semester is required by all the team members, and a very large component of your grade</a:t>
+            </a:r>
+            <a:br>
+              <a:rPr lang="en-US" altLang="en-US" dirty="0"/>
+            </a:br>
+            <a:endParaRPr lang="en-US" altLang="en-US" dirty="0"/>
+          </a:p>
+          <a:p>
+            <a:pPr>
+              <a:lnSpc>
+                <a:spcPct val="150000"/>
+              </a:lnSpc>
+            </a:pPr>
+            <a:r>
+              <a:rPr lang="en-US" altLang="en-US" dirty="0"/>
+              <a:t>Collaboration is encouraged, both within and across teams! Learning from each others’ strengths is a big benefit of group work, and you should feel free to discuss strategies and approaches with other teams (i.e., it’s not a competition)</a:t>
+            </a:r>
+            <a:br>
+              <a:rPr lang="en-US" altLang="en-US" dirty="0"/>
+            </a:br>
+            <a:endParaRPr lang="en-US" altLang="en-US" dirty="0"/>
+          </a:p>
+          <a:p>
+            <a:pPr>
+              <a:lnSpc>
+                <a:spcPct val="150000"/>
+              </a:lnSpc>
+            </a:pPr>
+            <a:r>
+              <a:rPr lang="en-US" altLang="en-US" dirty="0"/>
+              <a:t>Pacing your work is important. You won’t be able to do everything the week before the final report, and if everyone tries to, you’ll break the server.</a:t>
+            </a:r>
+          </a:p>
+        </p:txBody>
+      </p:sp>
+    </p:spTree>
+    <p:extLst>
+      <p:ext uri="{BB962C8B-B14F-4D97-AF65-F5344CB8AC3E}">
+        <p14:creationId xmlns:p14="http://schemas.microsoft.com/office/powerpoint/2010/main" val="2457927461"/>
+      </p:ext>
+    </p:extLst>
+  </p:cSld>
+  <p:clrMapOvr>
+    <a:masterClrMapping/>
+  </p:clrMapOvr>
+</p:sld>
+</file>
+
+<file path=ppt/slides/slide6.xml><?xml version="1.0" encoding="utf-8"?>
+<p:sld xmlns:a="http://schemas.openxmlformats.org/drawingml/2006/main" xmlns:r="http://schemas.openxmlformats.org/officeDocument/2006/relationships" xmlns:p="http://schemas.openxmlformats.org/presentationml/2006/main">
+  <p:cSld>
+    <p:spTree>
+      <p:nvGrpSpPr>
+        <p:cNvPr id="1" name=""/>
+        <p:cNvGrpSpPr/>
+        <p:nvPr/>
+      </p:nvGrpSpPr>
+      <p:grpSpPr>
+        <a:xfrm>
+          <a:off x="0" y="0"/>
+          <a:ext cx="0" cy="0"/>
+          <a:chOff x="0" y="0"/>
+          <a:chExt cx="0" cy="0"/>
+        </a:xfrm>
+      </p:grpSpPr>
+      <p:sp>
+        <p:nvSpPr>
+          <p:cNvPr id="4" name="Text Placeholder 3">
+            <a:extLst>
+              <a:ext uri="{FF2B5EF4-FFF2-40B4-BE49-F238E27FC236}">
+                <a16:creationId xmlns:a16="http://schemas.microsoft.com/office/drawing/2014/main" id="{5E600BA7-FA45-884F-9820-9E5F2CB7AA48}"/>
+              </a:ext>
+            </a:extLst>
+          </p:cNvPr>
+          <p:cNvSpPr>
+            <a:spLocks noGrp="1"/>
+          </p:cNvSpPr>
+          <p:nvPr>
+            <p:ph type="body" idx="1"/>
+          </p:nvPr>
+        </p:nvSpPr>
+        <p:spPr>
+          <a:xfrm>
+            <a:off x="210065" y="2724664"/>
+            <a:ext cx="11566285" cy="1408672"/>
+          </a:xfrm>
+        </p:spPr>
+        <p:txBody>
+          <a:bodyPr/>
+          <a:lstStyle/>
+          <a:p>
+            <a:pPr marL="76200" indent="0" algn="ctr">
+              <a:buNone/>
+            </a:pPr>
+            <a:r>
+              <a:rPr lang="en-US" sz="4800" dirty="0"/>
+              <a:t>Past experiences with project groups or questions/feedback about this semester?</a:t>
+            </a:r>
+          </a:p>
+        </p:txBody>
+      </p:sp>
+      <p:sp>
+        <p:nvSpPr>
+          <p:cNvPr id="3" name="Title 1">
+            <a:extLst>
+              <a:ext uri="{FF2B5EF4-FFF2-40B4-BE49-F238E27FC236}">
+                <a16:creationId xmlns:a16="http://schemas.microsoft.com/office/drawing/2014/main" id="{9CDFC252-FA93-E641-BB21-4E80983D7592}"/>
+              </a:ext>
+            </a:extLst>
+          </p:cNvPr>
+          <p:cNvSpPr>
+            <a:spLocks noGrp="1"/>
+          </p:cNvSpPr>
+          <p:nvPr>
+            <p:ph type="title"/>
+          </p:nvPr>
+        </p:nvSpPr>
+        <p:spPr>
+          <a:xfrm>
+            <a:off x="415600" y="593367"/>
+            <a:ext cx="11360700" cy="763500"/>
+          </a:xfrm>
+        </p:spPr>
+        <p:txBody>
+          <a:bodyPr/>
+          <a:lstStyle/>
+          <a:p>
+            <a:pPr algn="ctr"/>
+            <a:r>
+              <a:rPr lang="en-US" dirty="0"/>
+              <a:t>DISCUSSION QUESTION</a:t>
+            </a:r>
+          </a:p>
+        </p:txBody>
+      </p:sp>
+    </p:spTree>
+    <p:extLst>
+      <p:ext uri="{BB962C8B-B14F-4D97-AF65-F5344CB8AC3E}">
+        <p14:creationId xmlns:p14="http://schemas.microsoft.com/office/powerpoint/2010/main" val="1608946016"/>
+      </p:ext>
+    </p:extLst>
+  </p:cSld>
+  <p:clrMapOvr>
+    <a:masterClrMapping/>
+  </p:clrMapOvr>
+</p:sld>
+</file>
+
+<file path=ppt/slides/slide7.xml><?xml version="1.0" encoding="utf-8"?>
 <p:sld xmlns:a="http://schemas.openxmlformats.org/drawingml/2006/main" xmlns:r="http://schemas.openxmlformats.org/officeDocument/2006/relationships" xmlns:p="http://schemas.openxmlformats.org/presentationml/2006/main">
   <p:cSld>
     <p:spTree>
@@ -13942,7 +14946,7 @@
 </p:sld>
 </file>
 
-<file path=ppt/slides/slide4.xml><?xml version="1.0" encoding="utf-8"?>
+<file path=ppt/slides/slide8.xml><?xml version="1.0" encoding="utf-8"?>
 <p:sld xmlns:a="http://schemas.openxmlformats.org/drawingml/2006/main" xmlns:r="http://schemas.openxmlformats.org/officeDocument/2006/relationships" xmlns:p="http://schemas.openxmlformats.org/presentationml/2006/main">
   <p:cSld>
     <p:spTree>
@@ -14055,7 +15059,7 @@
 </p:sld>
 </file>
 
-<file path=ppt/slides/slide5.xml><?xml version="1.0" encoding="utf-8"?>
+<file path=ppt/slides/slide9.xml><?xml version="1.0" encoding="utf-8"?>
 <p:sld xmlns:a="http://schemas.openxmlformats.org/drawingml/2006/main" xmlns:r="http://schemas.openxmlformats.org/officeDocument/2006/relationships" xmlns:p="http://schemas.openxmlformats.org/presentationml/2006/main">
   <p:cSld>
     <p:spTree>
@@ -14206,507 +15210,6 @@
     <p:extLst>
       <p:ext uri="{BB962C8B-B14F-4D97-AF65-F5344CB8AC3E}">
         <p14:creationId xmlns:p14="http://schemas.microsoft.com/office/powerpoint/2010/main" val="4069897732"/>
-      </p:ext>
-    </p:extLst>
-  </p:cSld>
-  <p:clrMapOvr>
-    <a:masterClrMapping/>
-  </p:clrMapOvr>
-</p:sld>
-</file>
-
-<file path=ppt/slides/slide6.xml><?xml version="1.0" encoding="utf-8"?>
-<p:sld xmlns:a="http://schemas.openxmlformats.org/drawingml/2006/main" xmlns:r="http://schemas.openxmlformats.org/officeDocument/2006/relationships" xmlns:p="http://schemas.openxmlformats.org/presentationml/2006/main">
-  <p:cSld>
-    <p:spTree>
-      <p:nvGrpSpPr>
-        <p:cNvPr id="1" name=""/>
-        <p:cNvGrpSpPr/>
-        <p:nvPr/>
-      </p:nvGrpSpPr>
-      <p:grpSpPr>
-        <a:xfrm>
-          <a:off x="0" y="0"/>
-          <a:ext cx="0" cy="0"/>
-          <a:chOff x="0" y="0"/>
-          <a:chExt cx="0" cy="0"/>
-        </a:xfrm>
-      </p:grpSpPr>
-      <p:sp>
-        <p:nvSpPr>
-          <p:cNvPr id="2" name="Title 1">
-            <a:extLst>
-              <a:ext uri="{FF2B5EF4-FFF2-40B4-BE49-F238E27FC236}">
-                <a16:creationId xmlns:a16="http://schemas.microsoft.com/office/drawing/2014/main" id="{976F140B-CCBA-6544-AE2A-A3E88E046C57}"/>
-              </a:ext>
-            </a:extLst>
-          </p:cNvPr>
-          <p:cNvSpPr>
-            <a:spLocks noGrp="1"/>
-          </p:cNvSpPr>
-          <p:nvPr>
-            <p:ph type="title"/>
-          </p:nvPr>
-        </p:nvSpPr>
-        <p:spPr/>
-        <p:txBody>
-          <a:bodyPr/>
-          <a:lstStyle/>
-          <a:p>
-            <a:r>
-              <a:rPr lang="en-US" dirty="0"/>
-              <a:t>Data Storage</a:t>
-            </a:r>
-          </a:p>
-        </p:txBody>
-      </p:sp>
-      <p:sp>
-        <p:nvSpPr>
-          <p:cNvPr id="3" name="Text Placeholder 2">
-            <a:extLst>
-              <a:ext uri="{FF2B5EF4-FFF2-40B4-BE49-F238E27FC236}">
-                <a16:creationId xmlns:a16="http://schemas.microsoft.com/office/drawing/2014/main" id="{88BFB7A9-1DE4-3B44-ACD9-B7066AE5097C}"/>
-              </a:ext>
-            </a:extLst>
-          </p:cNvPr>
-          <p:cNvSpPr>
-            <a:spLocks noGrp="1"/>
-          </p:cNvSpPr>
-          <p:nvPr>
-            <p:ph type="body" idx="1"/>
-          </p:nvPr>
-        </p:nvSpPr>
-        <p:spPr/>
-        <p:txBody>
-          <a:bodyPr/>
-          <a:lstStyle/>
-          <a:p>
-            <a:r>
-              <a:rPr lang="en-US" dirty="0"/>
-              <a:t>Use Databases whenever possible</a:t>
-            </a:r>
-          </a:p>
-          <a:p>
-            <a:pPr lvl="1"/>
-            <a:r>
-              <a:rPr lang="en-US" dirty="0"/>
-              <a:t>Types of databases</a:t>
-            </a:r>
-          </a:p>
-          <a:p>
-            <a:pPr lvl="1"/>
-            <a:endParaRPr lang="en-US" dirty="0"/>
-          </a:p>
-          <a:p>
-            <a:r>
-              <a:rPr lang="en-US" dirty="0"/>
-              <a:t>Deidentification when dealing with confidential/sensitive identifiable data</a:t>
-            </a:r>
-          </a:p>
-          <a:p>
-            <a:pPr lvl="1"/>
-            <a:r>
-              <a:rPr lang="en-US" dirty="0"/>
-              <a:t>hashing</a:t>
-            </a:r>
-          </a:p>
-        </p:txBody>
-      </p:sp>
-    </p:spTree>
-    <p:extLst>
-      <p:ext uri="{BB962C8B-B14F-4D97-AF65-F5344CB8AC3E}">
-        <p14:creationId xmlns:p14="http://schemas.microsoft.com/office/powerpoint/2010/main" val="1278687259"/>
-      </p:ext>
-    </p:extLst>
-  </p:cSld>
-  <p:clrMapOvr>
-    <a:masterClrMapping/>
-  </p:clrMapOvr>
-</p:sld>
-</file>
-
-<file path=ppt/slides/slide7.xml><?xml version="1.0" encoding="utf-8"?>
-<p:sld xmlns:a="http://schemas.openxmlformats.org/drawingml/2006/main" xmlns:r="http://schemas.openxmlformats.org/officeDocument/2006/relationships" xmlns:p="http://schemas.openxmlformats.org/presentationml/2006/main">
-  <p:cSld>
-    <p:spTree>
-      <p:nvGrpSpPr>
-        <p:cNvPr id="1" name=""/>
-        <p:cNvGrpSpPr/>
-        <p:nvPr/>
-      </p:nvGrpSpPr>
-      <p:grpSpPr>
-        <a:xfrm>
-          <a:off x="0" y="0"/>
-          <a:ext cx="0" cy="0"/>
-          <a:chOff x="0" y="0"/>
-          <a:chExt cx="0" cy="0"/>
-        </a:xfrm>
-      </p:grpSpPr>
-      <p:sp>
-        <p:nvSpPr>
-          <p:cNvPr id="7170" name="Rectangle 2"/>
-          <p:cNvSpPr>
-            <a:spLocks noGrp="1" noChangeArrowheads="1"/>
-          </p:cNvSpPr>
-          <p:nvPr>
-            <p:ph type="title"/>
-          </p:nvPr>
-        </p:nvSpPr>
-        <p:spPr/>
-        <p:txBody>
-          <a:bodyPr/>
-          <a:lstStyle/>
-          <a:p>
-            <a:r>
-              <a:rPr lang="en-US" altLang="en-US" dirty="0"/>
-              <a:t> Linkage: Goals</a:t>
-            </a:r>
-          </a:p>
-        </p:txBody>
-      </p:sp>
-      <p:sp>
-        <p:nvSpPr>
-          <p:cNvPr id="7171" name="Rectangle 3"/>
-          <p:cNvSpPr>
-            <a:spLocks noGrp="1" noChangeArrowheads="1"/>
-          </p:cNvSpPr>
-          <p:nvPr>
-            <p:ph type="body" idx="1"/>
-          </p:nvPr>
-        </p:nvSpPr>
-        <p:spPr/>
-        <p:txBody>
-          <a:bodyPr>
-            <a:normAutofit/>
-          </a:bodyPr>
-          <a:lstStyle/>
-          <a:p>
-            <a:r>
-              <a:rPr lang="en-US" altLang="en-US" sz="3200" dirty="0"/>
-              <a:t>Determine if pairs of </a:t>
-            </a:r>
-            <a:r>
-              <a:rPr lang="en-US" altLang="en-US" sz="3200" i="1" dirty="0"/>
-              <a:t>records </a:t>
-            </a:r>
-            <a:r>
-              <a:rPr lang="en-US" altLang="en-US" sz="3200" dirty="0"/>
-              <a:t>describe the same </a:t>
-            </a:r>
-            <a:r>
-              <a:rPr lang="en-US" altLang="en-US" sz="3200"/>
-              <a:t>entity </a:t>
-            </a:r>
-            <a:endParaRPr lang="en-US" altLang="en-US" sz="3200" dirty="0"/>
-          </a:p>
-          <a:p>
-            <a:endParaRPr lang="en-US" altLang="en-US" sz="3200" dirty="0"/>
-          </a:p>
-          <a:p>
-            <a:r>
-              <a:rPr lang="en-US" altLang="en-US" sz="3200" dirty="0"/>
-              <a:t>Main applications: </a:t>
-            </a:r>
-          </a:p>
-          <a:p>
-            <a:pPr lvl="1"/>
-            <a:r>
-              <a:rPr lang="en-US" altLang="en-US" sz="2800" i="1" dirty="0"/>
-              <a:t>Joining</a:t>
-            </a:r>
-            <a:r>
-              <a:rPr lang="en-US" altLang="en-US" sz="2800" dirty="0"/>
-              <a:t> two different data sources</a:t>
-            </a:r>
-          </a:p>
-          <a:p>
-            <a:pPr lvl="1"/>
-            <a:r>
-              <a:rPr lang="en-US" altLang="en-US" sz="2800" i="1" dirty="0"/>
-              <a:t>Removing duplicates</a:t>
-            </a:r>
-            <a:r>
-              <a:rPr lang="en-US" altLang="en-US" sz="2800" dirty="0"/>
-              <a:t> from a single data source</a:t>
-            </a:r>
-          </a:p>
-        </p:txBody>
-      </p:sp>
-    </p:spTree>
-    <p:extLst>
-      <p:ext uri="{BB962C8B-B14F-4D97-AF65-F5344CB8AC3E}">
-        <p14:creationId xmlns:p14="http://schemas.microsoft.com/office/powerpoint/2010/main" val="3416135692"/>
-      </p:ext>
-    </p:extLst>
-  </p:cSld>
-  <p:clrMapOvr>
-    <a:masterClrMapping/>
-  </p:clrMapOvr>
-</p:sld>
-</file>
-
-<file path=ppt/slides/slide8.xml><?xml version="1.0" encoding="utf-8"?>
-<p:sld xmlns:a="http://schemas.openxmlformats.org/drawingml/2006/main" xmlns:r="http://schemas.openxmlformats.org/officeDocument/2006/relationships" xmlns:p="http://schemas.openxmlformats.org/presentationml/2006/main">
-  <p:cSld>
-    <p:spTree>
-      <p:nvGrpSpPr>
-        <p:cNvPr id="1" name=""/>
-        <p:cNvGrpSpPr/>
-        <p:nvPr/>
-      </p:nvGrpSpPr>
-      <p:grpSpPr>
-        <a:xfrm>
-          <a:off x="0" y="0"/>
-          <a:ext cx="0" cy="0"/>
-          <a:chOff x="0" y="0"/>
-          <a:chExt cx="0" cy="0"/>
-        </a:xfrm>
-      </p:grpSpPr>
-      <p:sp>
-        <p:nvSpPr>
-          <p:cNvPr id="8194" name="Rectangle 2"/>
-          <p:cNvSpPr>
-            <a:spLocks noGrp="1" noChangeArrowheads="1"/>
-          </p:cNvSpPr>
-          <p:nvPr>
-            <p:ph type="title"/>
-          </p:nvPr>
-        </p:nvSpPr>
-        <p:spPr/>
-        <p:txBody>
-          <a:bodyPr/>
-          <a:lstStyle/>
-          <a:p>
-            <a:r>
-              <a:rPr lang="en-US" altLang="en-US" dirty="0"/>
-              <a:t> Record Linkage: Synonyms</a:t>
-            </a:r>
-          </a:p>
-        </p:txBody>
-      </p:sp>
-      <p:sp>
-        <p:nvSpPr>
-          <p:cNvPr id="8195" name="Rectangle 3"/>
-          <p:cNvSpPr>
-            <a:spLocks noGrp="1" noChangeArrowheads="1"/>
-          </p:cNvSpPr>
-          <p:nvPr>
-            <p:ph type="body" idx="1"/>
-          </p:nvPr>
-        </p:nvSpPr>
-        <p:spPr/>
-        <p:txBody>
-          <a:bodyPr/>
-          <a:lstStyle/>
-          <a:p>
-            <a:pPr>
-              <a:lnSpc>
-                <a:spcPct val="150000"/>
-              </a:lnSpc>
-            </a:pPr>
-            <a:r>
-              <a:rPr lang="en-US" altLang="en-US" dirty="0"/>
-              <a:t>(data) matching</a:t>
-            </a:r>
-          </a:p>
-          <a:p>
-            <a:pPr>
-              <a:lnSpc>
-                <a:spcPct val="150000"/>
-              </a:lnSpc>
-            </a:pPr>
-            <a:r>
-              <a:rPr lang="en-US" altLang="en-US" dirty="0"/>
-              <a:t>merge/purge</a:t>
-            </a:r>
-          </a:p>
-          <a:p>
-            <a:pPr>
-              <a:lnSpc>
-                <a:spcPct val="150000"/>
-              </a:lnSpc>
-            </a:pPr>
-            <a:r>
-              <a:rPr lang="en-US" altLang="en-US" dirty="0"/>
-              <a:t>duplicate detection</a:t>
-            </a:r>
-          </a:p>
-          <a:p>
-            <a:pPr>
-              <a:lnSpc>
-                <a:spcPct val="150000"/>
-              </a:lnSpc>
-            </a:pPr>
-            <a:r>
-              <a:rPr lang="en-US" altLang="en-US" dirty="0"/>
-              <a:t>de-duping</a:t>
-            </a:r>
-          </a:p>
-          <a:p>
-            <a:pPr>
-              <a:lnSpc>
-                <a:spcPct val="150000"/>
-              </a:lnSpc>
-            </a:pPr>
-            <a:r>
-              <a:rPr lang="en-US" altLang="en-US" dirty="0"/>
-              <a:t>reference matching</a:t>
-            </a:r>
-          </a:p>
-          <a:p>
-            <a:pPr>
-              <a:lnSpc>
-                <a:spcPct val="150000"/>
-              </a:lnSpc>
-            </a:pPr>
-            <a:r>
-              <a:rPr lang="en-US" altLang="en-US" dirty="0"/>
-              <a:t>co-reference/anaphora resolution</a:t>
-            </a:r>
-          </a:p>
-        </p:txBody>
-      </p:sp>
-    </p:spTree>
-    <p:extLst>
-      <p:ext uri="{BB962C8B-B14F-4D97-AF65-F5344CB8AC3E}">
-        <p14:creationId xmlns:p14="http://schemas.microsoft.com/office/powerpoint/2010/main" val="2446059493"/>
-      </p:ext>
-    </p:extLst>
-  </p:cSld>
-  <p:clrMapOvr>
-    <a:masterClrMapping/>
-  </p:clrMapOvr>
-</p:sld>
-</file>
-
-<file path=ppt/slides/slide9.xml><?xml version="1.0" encoding="utf-8"?>
-<p:sld xmlns:a="http://schemas.openxmlformats.org/drawingml/2006/main" xmlns:r="http://schemas.openxmlformats.org/officeDocument/2006/relationships" xmlns:p="http://schemas.openxmlformats.org/presentationml/2006/main">
-  <p:cSld>
-    <p:spTree>
-      <p:nvGrpSpPr>
-        <p:cNvPr id="1" name=""/>
-        <p:cNvGrpSpPr/>
-        <p:nvPr/>
-      </p:nvGrpSpPr>
-      <p:grpSpPr>
-        <a:xfrm>
-          <a:off x="0" y="0"/>
-          <a:ext cx="0" cy="0"/>
-          <a:chOff x="0" y="0"/>
-          <a:chExt cx="0" cy="0"/>
-        </a:xfrm>
-      </p:grpSpPr>
-      <p:sp>
-        <p:nvSpPr>
-          <p:cNvPr id="2" name="Title 1"/>
-          <p:cNvSpPr>
-            <a:spLocks noGrp="1"/>
-          </p:cNvSpPr>
-          <p:nvPr>
-            <p:ph type="title"/>
-          </p:nvPr>
-        </p:nvSpPr>
-        <p:spPr/>
-        <p:txBody>
-          <a:bodyPr/>
-          <a:lstStyle/>
-          <a:p>
-            <a:r>
-              <a:rPr lang="en-US" dirty="0"/>
-              <a:t>Factors to consider</a:t>
-            </a:r>
-          </a:p>
-        </p:txBody>
-      </p:sp>
-      <p:sp>
-        <p:nvSpPr>
-          <p:cNvPr id="3" name="Content Placeholder 2"/>
-          <p:cNvSpPr>
-            <a:spLocks noGrp="1"/>
-          </p:cNvSpPr>
-          <p:nvPr>
-            <p:ph type="body" idx="1"/>
-          </p:nvPr>
-        </p:nvSpPr>
-        <p:spPr/>
-        <p:txBody>
-          <a:bodyPr>
-            <a:normAutofit fontScale="77500" lnSpcReduction="20000"/>
-          </a:bodyPr>
-          <a:lstStyle/>
-          <a:p>
-            <a:r>
-              <a:rPr lang="en-US" dirty="0" err="1"/>
-              <a:t>Deduping</a:t>
-            </a:r>
-            <a:r>
-              <a:rPr lang="en-US" dirty="0"/>
-              <a:t> or Linkage</a:t>
-            </a:r>
-          </a:p>
-          <a:p>
-            <a:pPr lvl="1"/>
-            <a:r>
-              <a:rPr lang="en-US" dirty="0"/>
-              <a:t>1-1 or 1-many or many-1</a:t>
-            </a:r>
-          </a:p>
-          <a:p>
-            <a:pPr lvl="1"/>
-            <a:endParaRPr lang="en-US" dirty="0"/>
-          </a:p>
-          <a:p>
-            <a:r>
-              <a:rPr lang="en-US" dirty="0"/>
-              <a:t>Rule-based or ML based</a:t>
-            </a:r>
-          </a:p>
-          <a:p>
-            <a:pPr lvl="1"/>
-            <a:r>
-              <a:rPr lang="en-US" dirty="0"/>
-              <a:t>Do you have labeled training data?</a:t>
-            </a:r>
-          </a:p>
-          <a:p>
-            <a:pPr lvl="1"/>
-            <a:endParaRPr lang="en-US" dirty="0"/>
-          </a:p>
-          <a:p>
-            <a:r>
-              <a:rPr lang="en-US" dirty="0"/>
-              <a:t>Domain specific or generic similarity metrics?</a:t>
-            </a:r>
-          </a:p>
-          <a:p>
-            <a:endParaRPr lang="en-US" dirty="0"/>
-          </a:p>
-          <a:p>
-            <a:r>
-              <a:rPr lang="en-US" dirty="0"/>
-              <a:t>Evaluation metric</a:t>
-            </a:r>
-          </a:p>
-          <a:p>
-            <a:pPr lvl="1"/>
-            <a:r>
-              <a:rPr lang="en-US" dirty="0"/>
-              <a:t>Precision or recall</a:t>
-            </a:r>
-          </a:p>
-          <a:p>
-            <a:pPr lvl="1"/>
-            <a:r>
-              <a:rPr lang="en-US" dirty="0"/>
-              <a:t>Task-specific - Implications on future analysis (bias for example)</a:t>
-            </a:r>
-          </a:p>
-        </p:txBody>
-      </p:sp>
-    </p:spTree>
-    <p:extLst>
-      <p:ext uri="{BB962C8B-B14F-4D97-AF65-F5344CB8AC3E}">
-        <p14:creationId xmlns:p14="http://schemas.microsoft.com/office/powerpoint/2010/main" val="562180733"/>
       </p:ext>
     </p:extLst>
   </p:cSld>

--- a/02 - Case Studies and Acquiring Data/data.pptx
+++ b/02 - Case Studies and Acquiring Data/data.pptx
@@ -267,7 +267,7 @@
       <p15:sldGuideLst xmlns:p15="http://schemas.microsoft.com/office/powerpoint/2012/main"/>
     </p:ext>
     <p:ext uri="http://customooxmlschemas.google.com/">
-      <go:slidesCustomData xmlns:go="http://customooxmlschemas.google.com/" xmlns:p15="http://schemas.microsoft.com/office/powerpoint/2012/main" xmlns:p14="http://schemas.microsoft.com/office/powerpoint/2010/main" xmlns:com="http://schemas.openxmlformats.org/drawingml/2006/compatibility" xmlns:pvml="urn:schemas-microsoft-com:office:powerpoint" xmlns:v="urn:schemas-microsoft-com:vml" xmlns:o="urn:schemas-microsoft-com:office:office" xmlns:dgm="http://schemas.openxmlformats.org/drawingml/2006/diagram" xmlns:c="http://schemas.openxmlformats.org/drawingml/2006/chart" xmlns:mv="urn:schemas-microsoft-com:mac:vml" xmlns:mc="http://schemas.openxmlformats.org/markup-compatibility/2006" xmlns="" r:id="rId30" roundtripDataSignature="AMtx7mjFyVUGRZWio+dc9dxzYsimUxNJbg=="/>
+      <go:slidesCustomData xmlns="" xmlns:mc="http://schemas.openxmlformats.org/markup-compatibility/2006" xmlns:mv="urn:schemas-microsoft-com:mac:vml" xmlns:c="http://schemas.openxmlformats.org/drawingml/2006/chart" xmlns:dgm="http://schemas.openxmlformats.org/drawingml/2006/diagram" xmlns:o="urn:schemas-microsoft-com:office:office" xmlns:v="urn:schemas-microsoft-com:vml" xmlns:pvml="urn:schemas-microsoft-com:office:powerpoint" xmlns:com="http://schemas.openxmlformats.org/drawingml/2006/compatibility" xmlns:p14="http://schemas.microsoft.com/office/powerpoint/2010/main" xmlns:p15="http://schemas.microsoft.com/office/powerpoint/2012/main" xmlns:go="http://customooxmlschemas.google.com/" r:id="rId30" roundtripDataSignature="AMtx7mjFyVUGRZWio+dc9dxzYsimUxNJbg=="/>
     </p:ext>
   </p:extLst>
 </p:presentation>
@@ -13915,6 +13915,17 @@
           </a:p>
           <a:p>
             <a:pPr lvl="1">
+              <a:spcBef>
+                <a:spcPts val="1000"/>
+              </a:spcBef>
+            </a:pPr>
+            <a:r>
+              <a:rPr lang="en-US" dirty="0"/>
+              <a:t>Tuesday: Data Exploration + Teamwork</a:t>
+            </a:r>
+          </a:p>
+          <a:p>
+            <a:pPr lvl="1">
               <a:lnSpc>
                 <a:spcPct val="100000"/>
               </a:lnSpc>

--- a/02 - Case Studies and Acquiring Data/data.pptx
+++ b/02 - Case Studies and Acquiring Data/data.pptx
@@ -29,7 +29,7 @@
     <p:sldId id="291" r:id="rId20"/>
     <p:sldId id="293" r:id="rId21"/>
     <p:sldId id="302" r:id="rId22"/>
-    <p:sldId id="297" r:id="rId23"/>
+    <p:sldId id="303" r:id="rId23"/>
   </p:sldIdLst>
   <p:sldSz cx="12192000" cy="6858000"/>
   <p:notesSz cx="6858000" cy="9144000"/>
@@ -267,7 +267,7 @@
       <p15:sldGuideLst xmlns:p15="http://schemas.microsoft.com/office/powerpoint/2012/main"/>
     </p:ext>
     <p:ext uri="http://customooxmlschemas.google.com/">
-      <go:slidesCustomData xmlns="" xmlns:mc="http://schemas.openxmlformats.org/markup-compatibility/2006" xmlns:mv="urn:schemas-microsoft-com:mac:vml" xmlns:c="http://schemas.openxmlformats.org/drawingml/2006/chart" xmlns:dgm="http://schemas.openxmlformats.org/drawingml/2006/diagram" xmlns:o="urn:schemas-microsoft-com:office:office" xmlns:v="urn:schemas-microsoft-com:vml" xmlns:pvml="urn:schemas-microsoft-com:office:powerpoint" xmlns:com="http://schemas.openxmlformats.org/drawingml/2006/compatibility" xmlns:p14="http://schemas.microsoft.com/office/powerpoint/2010/main" xmlns:p15="http://schemas.microsoft.com/office/powerpoint/2012/main" xmlns:go="http://customooxmlschemas.google.com/" r:id="rId30" roundtripDataSignature="AMtx7mjFyVUGRZWio+dc9dxzYsimUxNJbg=="/>
+      <go:slidesCustomData xmlns:go="http://customooxmlschemas.google.com/" xmlns:p15="http://schemas.microsoft.com/office/powerpoint/2012/main" xmlns:p14="http://schemas.microsoft.com/office/powerpoint/2010/main" xmlns:com="http://schemas.openxmlformats.org/drawingml/2006/compatibility" xmlns:pvml="urn:schemas-microsoft-com:office:powerpoint" xmlns:v="urn:schemas-microsoft-com:vml" xmlns:o="urn:schemas-microsoft-com:office:office" xmlns:dgm="http://schemas.openxmlformats.org/drawingml/2006/diagram" xmlns:c="http://schemas.openxmlformats.org/drawingml/2006/chart" xmlns:mv="urn:schemas-microsoft-com:mac:vml" xmlns:mc="http://schemas.openxmlformats.org/markup-compatibility/2006" xmlns="" r:id="rId30" roundtripDataSignature="AMtx7mjFyVUGRZWio+dc9dxzYsimUxNJbg=="/>
     </p:ext>
   </p:extLst>
 </p:presentation>
@@ -13910,6 +13910,17 @@
             </a:pPr>
             <a:r>
               <a:rPr lang="en-US" dirty="0"/>
+              <a:t>Monday: quick assignment to check database connection</a:t>
+            </a:r>
+          </a:p>
+          <a:p>
+            <a:pPr lvl="1">
+              <a:spcBef>
+                <a:spcPts val="1000"/>
+              </a:spcBef>
+            </a:pPr>
+            <a:r>
+              <a:rPr lang="en-US" dirty="0"/>
               <a:t>Tuesday: weekly feedback form</a:t>
             </a:r>
           </a:p>
@@ -14259,7 +14270,29 @@
             </a:pPr>
             <a:r>
               <a:rPr lang="en-US" dirty="0"/>
+              <a:t>Monday: quick assignment to check database connection</a:t>
+            </a:r>
+          </a:p>
+          <a:p>
+            <a:pPr lvl="1">
+              <a:spcBef>
+                <a:spcPts val="1000"/>
+              </a:spcBef>
+            </a:pPr>
+            <a:r>
+              <a:rPr lang="en-US" dirty="0"/>
               <a:t>Tuesday: weekly feedback form</a:t>
+            </a:r>
+          </a:p>
+          <a:p>
+            <a:pPr lvl="1">
+              <a:spcBef>
+                <a:spcPts val="1000"/>
+              </a:spcBef>
+            </a:pPr>
+            <a:r>
+              <a:rPr lang="en-US" dirty="0"/>
+              <a:t>Tuesday: Data Exploration + Teamwork</a:t>
             </a:r>
           </a:p>
           <a:p>
@@ -14303,7 +14336,7 @@
     </p:spTree>
     <p:extLst>
       <p:ext uri="{BB962C8B-B14F-4D97-AF65-F5344CB8AC3E}">
-        <p14:creationId xmlns:p14="http://schemas.microsoft.com/office/powerpoint/2010/main" val="1079067400"/>
+        <p14:creationId xmlns:p14="http://schemas.microsoft.com/office/powerpoint/2010/main" val="2953224412"/>
       </p:ext>
     </p:extLst>
   </p:cSld>
